--- a/script/粒子滤波/原理.pptx
+++ b/script/粒子滤波/原理.pptx
@@ -7,6 +7,7 @@
   <p:sldIdLst>
     <p:sldId id="256" r:id="rId2"/>
     <p:sldId id="257" r:id="rId3"/>
+    <p:sldId id="258" r:id="rId4"/>
   </p:sldIdLst>
   <p:sldSz cx="12192000" cy="6858000"/>
   <p:notesSz cx="12192000" cy="6858000"/>
@@ -262,7 +263,7 @@
             </a:pPr>
             <a:fld id="{BCC18F51-09EC-435C-A3BA-64A766E099C0}" type="datetimeFigureOut">
               <a:rPr lang="en-US" altLang="zh-CN"/>
-              <a:t>9/14/2023</a:t>
+              <a:t>9/15/2023</a:t>
             </a:fld>
             <a:endParaRPr lang="zh-CN"/>
           </a:p>
@@ -451,7 +452,7 @@
             </a:pPr>
             <a:fld id="{BCC18F51-09EC-435C-A3BA-64A766E099C0}" type="datetimeFigureOut">
               <a:rPr lang="en-US" altLang="zh-CN"/>
-              <a:t>9/14/2023</a:t>
+              <a:t>9/15/2023</a:t>
             </a:fld>
             <a:endParaRPr lang="zh-CN"/>
           </a:p>
@@ -650,7 +651,7 @@
             </a:pPr>
             <a:fld id="{BCC18F51-09EC-435C-A3BA-64A766E099C0}" type="datetimeFigureOut">
               <a:rPr lang="en-US" altLang="zh-CN"/>
-              <a:t>9/14/2023</a:t>
+              <a:t>9/15/2023</a:t>
             </a:fld>
             <a:endParaRPr lang="zh-CN"/>
           </a:p>
@@ -839,7 +840,7 @@
             </a:pPr>
             <a:fld id="{BCC18F51-09EC-435C-A3BA-64A766E099C0}" type="datetimeFigureOut">
               <a:rPr lang="en-US" altLang="zh-CN"/>
-              <a:t>9/14/2023</a:t>
+              <a:t>9/15/2023</a:t>
             </a:fld>
             <a:endParaRPr lang="zh-CN"/>
           </a:p>
@@ -1094,7 +1095,7 @@
             </a:pPr>
             <a:fld id="{BCC18F51-09EC-435C-A3BA-64A766E099C0}" type="datetimeFigureOut">
               <a:rPr lang="en-US" altLang="zh-CN"/>
-              <a:t>9/14/2023</a:t>
+              <a:t>9/15/2023</a:t>
             </a:fld>
             <a:endParaRPr lang="zh-CN"/>
           </a:p>
@@ -1358,7 +1359,7 @@
             </a:pPr>
             <a:fld id="{BCC18F51-09EC-435C-A3BA-64A766E099C0}" type="datetimeFigureOut">
               <a:rPr lang="en-US" altLang="zh-CN"/>
-              <a:t>9/14/2023</a:t>
+              <a:t>9/15/2023</a:t>
             </a:fld>
             <a:endParaRPr lang="zh-CN"/>
           </a:p>
@@ -1763,7 +1764,7 @@
             </a:pPr>
             <a:fld id="{BCC18F51-09EC-435C-A3BA-64A766E099C0}" type="datetimeFigureOut">
               <a:rPr lang="en-US" altLang="zh-CN"/>
-              <a:t>9/14/2023</a:t>
+              <a:t>9/15/2023</a:t>
             </a:fld>
             <a:endParaRPr lang="zh-CN"/>
           </a:p>
@@ -1887,7 +1888,7 @@
             </a:pPr>
             <a:fld id="{BCC18F51-09EC-435C-A3BA-64A766E099C0}" type="datetimeFigureOut">
               <a:rPr lang="en-US" altLang="zh-CN"/>
-              <a:t>9/14/2023</a:t>
+              <a:t>9/15/2023</a:t>
             </a:fld>
             <a:endParaRPr lang="zh-CN"/>
           </a:p>
@@ -1986,7 +1987,7 @@
             </a:pPr>
             <a:fld id="{BCC18F51-09EC-435C-A3BA-64A766E099C0}" type="datetimeFigureOut">
               <a:rPr lang="en-US" altLang="zh-CN"/>
-              <a:t>9/14/2023</a:t>
+              <a:t>9/15/2023</a:t>
             </a:fld>
             <a:endParaRPr lang="zh-CN"/>
           </a:p>
@@ -2285,7 +2286,7 @@
             </a:pPr>
             <a:fld id="{BCC18F51-09EC-435C-A3BA-64A766E099C0}" type="datetimeFigureOut">
               <a:rPr lang="en-US" altLang="zh-CN"/>
-              <a:t>9/14/2023</a:t>
+              <a:t>9/15/2023</a:t>
             </a:fld>
             <a:endParaRPr lang="zh-CN"/>
           </a:p>
@@ -2553,7 +2554,7 @@
             </a:pPr>
             <a:fld id="{BCC18F51-09EC-435C-A3BA-64A766E099C0}" type="datetimeFigureOut">
               <a:rPr lang="en-US" altLang="zh-CN"/>
-              <a:t>9/14/2023</a:t>
+              <a:t>9/15/2023</a:t>
             </a:fld>
             <a:endParaRPr lang="zh-CN"/>
           </a:p>
@@ -2785,7 +2786,7 @@
             </a:pPr>
             <a:fld id="{BCC18F51-09EC-435C-A3BA-64A766E099C0}" type="datetimeFigureOut">
               <a:rPr lang="en-US" altLang="zh-CN"/>
-              <a:t>9/14/2023</a:t>
+              <a:t>9/15/2023</a:t>
             </a:fld>
             <a:endParaRPr lang="zh-CN"/>
           </a:p>
@@ -3405,8 +3406,8 @@
           </a:p>
         </p:txBody>
       </p:sp>
-      <mc:AlternateContent xmlns:mc="http://schemas.openxmlformats.org/markup-compatibility/2006">
-        <mc:Choice xmlns:a14="http://schemas.microsoft.com/office/drawing/2010/main" Requires="a14">
+      <mc:AlternateContent xmlns:mc="http://schemas.openxmlformats.org/markup-compatibility/2006" xmlns:a14="http://schemas.microsoft.com/office/drawing/2010/main">
+        <mc:Choice Requires="a14">
           <p:sp>
             <p:nvSpPr>
               <p:cNvPr id="5" name="文本框 4">
@@ -3435,6 +3436,7 @@
               </a:bodyPr>
               <a:lstStyle/>
               <a:p>
+                <a:pPr/>
                 <a14:m>
                   <m:oMathPara xmlns:m="http://schemas.openxmlformats.org/officeDocument/2006/math">
                     <m:oMathParaPr>
@@ -3455,7 +3457,7 @@
             </p:txBody>
           </p:sp>
         </mc:Choice>
-        <mc:Fallback>
+        <mc:Fallback xmlns="">
           <p:sp>
             <p:nvSpPr>
               <p:cNvPr id="5" name="文本框 4">
@@ -3500,8 +3502,8 @@
           </p:sp>
         </mc:Fallback>
       </mc:AlternateContent>
-      <mc:AlternateContent xmlns:mc="http://schemas.openxmlformats.org/markup-compatibility/2006">
-        <mc:Choice xmlns:a14="http://schemas.microsoft.com/office/drawing/2010/main" Requires="a14">
+      <mc:AlternateContent xmlns:mc="http://schemas.openxmlformats.org/markup-compatibility/2006" xmlns:a14="http://schemas.microsoft.com/office/drawing/2010/main">
+        <mc:Choice Requires="a14">
           <p:sp>
             <p:nvSpPr>
               <p:cNvPr id="6" name="文本框 5">
@@ -3530,6 +3532,7 @@
               </a:bodyPr>
               <a:lstStyle/>
               <a:p>
+                <a:pPr/>
                 <a14:m>
                   <m:oMathPara xmlns:m="http://schemas.openxmlformats.org/officeDocument/2006/math">
                     <m:oMathParaPr>
@@ -3550,7 +3553,7 @@
             </p:txBody>
           </p:sp>
         </mc:Choice>
-        <mc:Fallback>
+        <mc:Fallback xmlns="">
           <p:sp>
             <p:nvSpPr>
               <p:cNvPr id="6" name="文本框 5">
@@ -3641,8 +3644,8 @@
           </a:fontRef>
         </p:style>
       </p:cxnSp>
-      <mc:AlternateContent xmlns:mc="http://schemas.openxmlformats.org/markup-compatibility/2006">
-        <mc:Choice xmlns:a14="http://schemas.microsoft.com/office/drawing/2010/main" Requires="a14">
+      <mc:AlternateContent xmlns:mc="http://schemas.openxmlformats.org/markup-compatibility/2006" xmlns:a14="http://schemas.microsoft.com/office/drawing/2010/main">
+        <mc:Choice Requires="a14">
           <p:sp>
             <p:nvSpPr>
               <p:cNvPr id="10" name="文本框 9">
@@ -3671,6 +3674,7 @@
               </a:bodyPr>
               <a:lstStyle/>
               <a:p>
+                <a:pPr/>
                 <a14:m>
                   <m:oMathPara xmlns:m="http://schemas.openxmlformats.org/officeDocument/2006/math">
                     <m:oMathParaPr>
@@ -3691,7 +3695,7 @@
             </p:txBody>
           </p:sp>
         </mc:Choice>
-        <mc:Fallback>
+        <mc:Fallback xmlns="">
           <p:sp>
             <p:nvSpPr>
               <p:cNvPr id="10" name="文本框 9">
@@ -3782,8 +3786,8 @@
           </a:fontRef>
         </p:style>
       </p:cxnSp>
-      <mc:AlternateContent xmlns:mc="http://schemas.openxmlformats.org/markup-compatibility/2006">
-        <mc:Choice xmlns:a14="http://schemas.microsoft.com/office/drawing/2010/main" Requires="a14">
+      <mc:AlternateContent xmlns:mc="http://schemas.openxmlformats.org/markup-compatibility/2006" xmlns:a14="http://schemas.microsoft.com/office/drawing/2010/main">
+        <mc:Choice Requires="a14">
           <p:sp>
             <p:nvSpPr>
               <p:cNvPr id="13" name="文本框 12">
@@ -3812,6 +3816,7 @@
               </a:bodyPr>
               <a:lstStyle/>
               <a:p>
+                <a:pPr/>
                 <a14:m>
                   <m:oMathPara xmlns:m="http://schemas.openxmlformats.org/officeDocument/2006/math">
                     <m:oMathParaPr>
@@ -3854,7 +3859,7 @@
             </p:txBody>
           </p:sp>
         </mc:Choice>
-        <mc:Fallback>
+        <mc:Fallback xmlns="">
           <p:sp>
             <p:nvSpPr>
               <p:cNvPr id="13" name="文本框 12">
@@ -3899,8 +3904,8 @@
           </p:sp>
         </mc:Fallback>
       </mc:AlternateContent>
-      <mc:AlternateContent xmlns:mc="http://schemas.openxmlformats.org/markup-compatibility/2006">
-        <mc:Choice xmlns:a14="http://schemas.microsoft.com/office/drawing/2010/main" Requires="a14">
+      <mc:AlternateContent xmlns:mc="http://schemas.openxmlformats.org/markup-compatibility/2006" xmlns:a14="http://schemas.microsoft.com/office/drawing/2010/main">
+        <mc:Choice Requires="a14">
           <p:sp>
             <p:nvSpPr>
               <p:cNvPr id="14" name="文本框 13">
@@ -3929,6 +3934,7 @@
               </a:bodyPr>
               <a:lstStyle/>
               <a:p>
+                <a:pPr/>
                 <a14:m>
                   <m:oMathPara xmlns:m="http://schemas.openxmlformats.org/officeDocument/2006/math">
                     <m:oMathParaPr>
@@ -3971,7 +3977,7 @@
             </p:txBody>
           </p:sp>
         </mc:Choice>
-        <mc:Fallback>
+        <mc:Fallback xmlns="">
           <p:sp>
             <p:nvSpPr>
               <p:cNvPr id="14" name="文本框 13">
@@ -4108,8 +4114,8 @@
           </a:fontRef>
         </p:style>
       </p:cxnSp>
-      <mc:AlternateContent xmlns:mc="http://schemas.openxmlformats.org/markup-compatibility/2006">
-        <mc:Choice xmlns:a14="http://schemas.microsoft.com/office/drawing/2010/main" Requires="a14">
+      <mc:AlternateContent xmlns:mc="http://schemas.openxmlformats.org/markup-compatibility/2006" xmlns:a14="http://schemas.microsoft.com/office/drawing/2010/main">
+        <mc:Choice Requires="a14">
           <p:sp>
             <p:nvSpPr>
               <p:cNvPr id="30" name="文本框 29">
@@ -4138,6 +4144,7 @@
               </a:bodyPr>
               <a:lstStyle/>
               <a:p>
+                <a:pPr/>
                 <a14:m>
                   <m:oMathPara xmlns:m="http://schemas.openxmlformats.org/officeDocument/2006/math">
                     <m:oMathParaPr>
@@ -4221,7 +4228,7 @@
             </p:txBody>
           </p:sp>
         </mc:Choice>
-        <mc:Fallback>
+        <mc:Fallback xmlns="">
           <p:sp>
             <p:nvSpPr>
               <p:cNvPr id="30" name="文本框 29">
@@ -4266,8 +4273,8 @@
           </p:sp>
         </mc:Fallback>
       </mc:AlternateContent>
-      <mc:AlternateContent xmlns:mc="http://schemas.openxmlformats.org/markup-compatibility/2006">
-        <mc:Choice xmlns:a14="http://schemas.microsoft.com/office/drawing/2010/main" Requires="a14">
+      <mc:AlternateContent xmlns:mc="http://schemas.openxmlformats.org/markup-compatibility/2006" xmlns:a14="http://schemas.microsoft.com/office/drawing/2010/main">
+        <mc:Choice Requires="a14">
           <p:sp>
             <p:nvSpPr>
               <p:cNvPr id="34" name="文本框 33">
@@ -4296,6 +4303,7 @@
               </a:bodyPr>
               <a:lstStyle/>
               <a:p>
+                <a:pPr/>
                 <a14:m>
                   <m:oMathPara xmlns:m="http://schemas.openxmlformats.org/officeDocument/2006/math">
                     <m:oMathParaPr>
@@ -4396,7 +4404,7 @@
             </p:txBody>
           </p:sp>
         </mc:Choice>
-        <mc:Fallback>
+        <mc:Fallback xmlns="">
           <p:sp>
             <p:nvSpPr>
               <p:cNvPr id="34" name="文本框 33">
@@ -4441,8 +4449,8 @@
           </p:sp>
         </mc:Fallback>
       </mc:AlternateContent>
-      <mc:AlternateContent xmlns:mc="http://schemas.openxmlformats.org/markup-compatibility/2006">
-        <mc:Choice xmlns:a14="http://schemas.microsoft.com/office/drawing/2010/main" Requires="a14">
+      <mc:AlternateContent xmlns:mc="http://schemas.openxmlformats.org/markup-compatibility/2006" xmlns:a14="http://schemas.microsoft.com/office/drawing/2010/main">
+        <mc:Choice Requires="a14">
           <p:sp>
             <p:nvSpPr>
               <p:cNvPr id="35" name="文本框 34">
@@ -4471,6 +4479,7 @@
               </a:bodyPr>
               <a:lstStyle/>
               <a:p>
+                <a:pPr/>
                 <a14:m>
                   <m:oMathPara xmlns:m="http://schemas.openxmlformats.org/officeDocument/2006/math">
                     <m:oMathParaPr>
@@ -4571,7 +4580,7 @@
             </p:txBody>
           </p:sp>
         </mc:Choice>
-        <mc:Fallback>
+        <mc:Fallback xmlns="">
           <p:sp>
             <p:nvSpPr>
               <p:cNvPr id="35" name="文本框 34">
@@ -4851,8 +4860,8 @@
           </a:p>
         </p:txBody>
       </p:sp>
-      <mc:AlternateContent xmlns:mc="http://schemas.openxmlformats.org/markup-compatibility/2006">
-        <mc:Choice xmlns:a14="http://schemas.microsoft.com/office/drawing/2010/main" Requires="a14">
+      <mc:AlternateContent xmlns:mc="http://schemas.openxmlformats.org/markup-compatibility/2006" xmlns:a14="http://schemas.microsoft.com/office/drawing/2010/main">
+        <mc:Choice Requires="a14">
           <p:sp>
             <p:nvSpPr>
               <p:cNvPr id="5" name="文本框 4">
@@ -4881,6 +4890,7 @@
               </a:bodyPr>
               <a:lstStyle/>
               <a:p>
+                <a:pPr/>
                 <a14:m>
                   <m:oMathPara xmlns:m="http://schemas.openxmlformats.org/officeDocument/2006/math">
                     <m:oMathParaPr>
@@ -4901,7 +4911,7 @@
             </p:txBody>
           </p:sp>
         </mc:Choice>
-        <mc:Fallback>
+        <mc:Fallback xmlns="">
           <p:sp>
             <p:nvSpPr>
               <p:cNvPr id="5" name="文本框 4">
@@ -4946,8 +4956,8 @@
           </p:sp>
         </mc:Fallback>
       </mc:AlternateContent>
-      <mc:AlternateContent xmlns:mc="http://schemas.openxmlformats.org/markup-compatibility/2006">
-        <mc:Choice xmlns:a14="http://schemas.microsoft.com/office/drawing/2010/main" Requires="a14">
+      <mc:AlternateContent xmlns:mc="http://schemas.openxmlformats.org/markup-compatibility/2006" xmlns:a14="http://schemas.microsoft.com/office/drawing/2010/main">
+        <mc:Choice Requires="a14">
           <p:sp>
             <p:nvSpPr>
               <p:cNvPr id="6" name="文本框 5">
@@ -4976,6 +4986,7 @@
               </a:bodyPr>
               <a:lstStyle/>
               <a:p>
+                <a:pPr/>
                 <a14:m>
                   <m:oMathPara xmlns:m="http://schemas.openxmlformats.org/officeDocument/2006/math">
                     <m:oMathParaPr>
@@ -5021,7 +5032,7 @@
             </p:txBody>
           </p:sp>
         </mc:Choice>
-        <mc:Fallback>
+        <mc:Fallback xmlns="">
           <p:sp>
             <p:nvSpPr>
               <p:cNvPr id="6" name="文本框 5">
@@ -5111,8 +5122,8 @@
           </a:fontRef>
         </p:style>
       </p:cxnSp>
-      <mc:AlternateContent xmlns:mc="http://schemas.openxmlformats.org/markup-compatibility/2006">
-        <mc:Choice xmlns:a14="http://schemas.microsoft.com/office/drawing/2010/main" Requires="a14">
+      <mc:AlternateContent xmlns:mc="http://schemas.openxmlformats.org/markup-compatibility/2006" xmlns:a14="http://schemas.microsoft.com/office/drawing/2010/main">
+        <mc:Choice Requires="a14">
           <p:sp>
             <p:nvSpPr>
               <p:cNvPr id="10" name="文本框 9">
@@ -5141,6 +5152,7 @@
               </a:bodyPr>
               <a:lstStyle/>
               <a:p>
+                <a:pPr/>
                 <a14:m>
                   <m:oMathPara xmlns:m="http://schemas.openxmlformats.org/officeDocument/2006/math">
                     <m:oMathParaPr>
@@ -5180,7 +5192,7 @@
             </p:txBody>
           </p:sp>
         </mc:Choice>
-        <mc:Fallback>
+        <mc:Fallback xmlns="">
           <p:sp>
             <p:nvSpPr>
               <p:cNvPr id="10" name="文本框 9">
@@ -5270,8 +5282,8 @@
           </a:fontRef>
         </p:style>
       </p:cxnSp>
-      <mc:AlternateContent xmlns:mc="http://schemas.openxmlformats.org/markup-compatibility/2006">
-        <mc:Choice xmlns:a14="http://schemas.microsoft.com/office/drawing/2010/main" Requires="a14">
+      <mc:AlternateContent xmlns:mc="http://schemas.openxmlformats.org/markup-compatibility/2006" xmlns:a14="http://schemas.microsoft.com/office/drawing/2010/main">
+        <mc:Choice Requires="a14">
           <p:sp>
             <p:nvSpPr>
               <p:cNvPr id="13" name="文本框 12">
@@ -5300,6 +5312,7 @@
               </a:bodyPr>
               <a:lstStyle/>
               <a:p>
+                <a:pPr/>
                 <a14:m>
                   <m:oMathPara xmlns:m="http://schemas.openxmlformats.org/officeDocument/2006/math">
                     <m:oMathParaPr>
@@ -5360,7 +5373,7 @@
             </p:txBody>
           </p:sp>
         </mc:Choice>
-        <mc:Fallback>
+        <mc:Fallback xmlns="">
           <p:sp>
             <p:nvSpPr>
               <p:cNvPr id="13" name="文本框 12">
@@ -5493,8 +5506,8 @@
           </a:fontRef>
         </p:style>
       </p:cxnSp>
-      <mc:AlternateContent xmlns:mc="http://schemas.openxmlformats.org/markup-compatibility/2006">
-        <mc:Choice xmlns:a14="http://schemas.microsoft.com/office/drawing/2010/main" Requires="a14">
+      <mc:AlternateContent xmlns:mc="http://schemas.openxmlformats.org/markup-compatibility/2006" xmlns:a14="http://schemas.microsoft.com/office/drawing/2010/main">
+        <mc:Choice Requires="a14">
           <p:sp>
             <p:nvSpPr>
               <p:cNvPr id="30" name="文本框 29">
@@ -5523,6 +5536,7 @@
               </a:bodyPr>
               <a:lstStyle/>
               <a:p>
+                <a:pPr/>
                 <a14:m>
                   <m:oMathPara xmlns:m="http://schemas.openxmlformats.org/officeDocument/2006/math">
                     <m:oMathParaPr>
@@ -5650,7 +5664,7 @@
             </p:txBody>
           </p:sp>
         </mc:Choice>
-        <mc:Fallback>
+        <mc:Fallback xmlns="">
           <p:sp>
             <p:nvSpPr>
               <p:cNvPr id="30" name="文本框 29">
@@ -5695,8 +5709,8 @@
           </p:sp>
         </mc:Fallback>
       </mc:AlternateContent>
-      <mc:AlternateContent xmlns:mc="http://schemas.openxmlformats.org/markup-compatibility/2006">
-        <mc:Choice xmlns:a14="http://schemas.microsoft.com/office/drawing/2010/main" Requires="a14">
+      <mc:AlternateContent xmlns:mc="http://schemas.openxmlformats.org/markup-compatibility/2006" xmlns:a14="http://schemas.microsoft.com/office/drawing/2010/main">
+        <mc:Choice Requires="a14">
           <p:sp>
             <p:nvSpPr>
               <p:cNvPr id="35" name="文本框 34">
@@ -5725,6 +5739,7 @@
               </a:bodyPr>
               <a:lstStyle/>
               <a:p>
+                <a:pPr/>
                 <a14:m>
                   <m:oMathPara xmlns:m="http://schemas.openxmlformats.org/officeDocument/2006/math">
                     <m:oMathParaPr>
@@ -5844,7 +5859,7 @@
             </p:txBody>
           </p:sp>
         </mc:Choice>
-        <mc:Fallback>
+        <mc:Fallback xmlns="">
           <p:sp>
             <p:nvSpPr>
               <p:cNvPr id="35" name="文本框 34">
@@ -5889,8 +5904,8 @@
           </p:sp>
         </mc:Fallback>
       </mc:AlternateContent>
-      <mc:AlternateContent xmlns:mc="http://schemas.openxmlformats.org/markup-compatibility/2006">
-        <mc:Choice xmlns:a14="http://schemas.microsoft.com/office/drawing/2010/main" Requires="a14">
+      <mc:AlternateContent xmlns:mc="http://schemas.openxmlformats.org/markup-compatibility/2006" xmlns:a14="http://schemas.microsoft.com/office/drawing/2010/main">
+        <mc:Choice Requires="a14">
           <p:sp>
             <p:nvSpPr>
               <p:cNvPr id="2" name="文本框 1">
@@ -5919,6 +5934,7 @@
               </a:bodyPr>
               <a:lstStyle/>
               <a:p>
+                <a:pPr/>
                 <a14:m>
                   <m:oMathPara xmlns:m="http://schemas.openxmlformats.org/officeDocument/2006/math">
                     <m:oMathParaPr>
@@ -5973,7 +5989,7 @@
             </p:txBody>
           </p:sp>
         </mc:Choice>
-        <mc:Fallback>
+        <mc:Fallback xmlns="">
           <p:sp>
             <p:nvSpPr>
               <p:cNvPr id="2" name="文本框 1">
@@ -6106,8 +6122,8 @@
           </a:fontRef>
         </p:style>
       </p:cxnSp>
-      <mc:AlternateContent xmlns:mc="http://schemas.openxmlformats.org/markup-compatibility/2006">
-        <mc:Choice xmlns:a14="http://schemas.microsoft.com/office/drawing/2010/main" Requires="a14">
+      <mc:AlternateContent xmlns:mc="http://schemas.openxmlformats.org/markup-compatibility/2006" xmlns:a14="http://schemas.microsoft.com/office/drawing/2010/main">
+        <mc:Choice Requires="a14">
           <p:sp>
             <p:nvSpPr>
               <p:cNvPr id="21" name="文本框 20">
@@ -6136,6 +6152,7 @@
               </a:bodyPr>
               <a:lstStyle/>
               <a:p>
+                <a:pPr/>
                 <a14:m>
                   <m:oMathPara xmlns:m="http://schemas.openxmlformats.org/officeDocument/2006/math">
                     <m:oMathParaPr>
@@ -6156,7 +6173,7 @@
             </p:txBody>
           </p:sp>
         </mc:Choice>
-        <mc:Fallback>
+        <mc:Fallback xmlns="">
           <p:sp>
             <p:nvSpPr>
               <p:cNvPr id="21" name="文本框 20">
@@ -6201,8 +6218,8 @@
           </p:sp>
         </mc:Fallback>
       </mc:AlternateContent>
-      <mc:AlternateContent xmlns:mc="http://schemas.openxmlformats.org/markup-compatibility/2006">
-        <mc:Choice xmlns:a14="http://schemas.microsoft.com/office/drawing/2010/main" Requires="a14">
+      <mc:AlternateContent xmlns:mc="http://schemas.openxmlformats.org/markup-compatibility/2006" xmlns:a14="http://schemas.microsoft.com/office/drawing/2010/main">
+        <mc:Choice Requires="a14">
           <p:sp>
             <p:nvSpPr>
               <p:cNvPr id="22" name="文本框 21">
@@ -6231,6 +6248,7 @@
               </a:bodyPr>
               <a:lstStyle/>
               <a:p>
+                <a:pPr/>
                 <a14:m>
                   <m:oMathPara xmlns:m="http://schemas.openxmlformats.org/officeDocument/2006/math">
                     <m:oMathParaPr>
@@ -6251,7 +6269,7 @@
             </p:txBody>
           </p:sp>
         </mc:Choice>
-        <mc:Fallback>
+        <mc:Fallback xmlns="">
           <p:sp>
             <p:nvSpPr>
               <p:cNvPr id="22" name="文本框 21">
@@ -6300,6 +6318,371 @@
     <p:extLst>
       <p:ext uri="{BB962C8B-B14F-4D97-AF65-F5344CB8AC3E}">
         <p14:creationId xmlns:p14="http://schemas.microsoft.com/office/powerpoint/2010/main" val="3373184649"/>
+      </p:ext>
+    </p:extLst>
+  </p:cSld>
+  <p:clrMapOvr>
+    <a:masterClrMapping/>
+  </p:clrMapOvr>
+</p:sld>
+</file>
+
+<file path=ppt/slides/slide3.xml><?xml version="1.0" encoding="utf-8"?>
+<p:sld xmlns:a="http://schemas.openxmlformats.org/drawingml/2006/main" xmlns:r="http://schemas.openxmlformats.org/officeDocument/2006/relationships" xmlns:p="http://schemas.openxmlformats.org/presentationml/2006/main">
+  <p:cSld>
+    <p:spTree>
+      <p:nvGrpSpPr>
+        <p:cNvPr id="1" name=""/>
+        <p:cNvGrpSpPr/>
+        <p:nvPr/>
+      </p:nvGrpSpPr>
+      <p:grpSpPr>
+        <a:xfrm>
+          <a:off x="0" y="0"/>
+          <a:ext cx="0" cy="0"/>
+          <a:chOff x="0" y="0"/>
+          <a:chExt cx="0" cy="0"/>
+        </a:xfrm>
+      </p:grpSpPr>
+      <p:pic>
+        <p:nvPicPr>
+          <p:cNvPr id="5" name="图片 4">
+            <a:extLst>
+              <a:ext uri="{FF2B5EF4-FFF2-40B4-BE49-F238E27FC236}">
+                <a16:creationId xmlns:a16="http://schemas.microsoft.com/office/drawing/2014/main" id="{8D8CDDFE-E91D-DF34-6E67-B9D932F9AE75}"/>
+              </a:ext>
+            </a:extLst>
+          </p:cNvPr>
+          <p:cNvPicPr>
+            <a:picLocks noChangeAspect="1"/>
+          </p:cNvPicPr>
+          <p:nvPr/>
+        </p:nvPicPr>
+        <p:blipFill>
+          <a:blip r:embed="rId2" cstate="print">
+            <a:extLst>
+              <a:ext uri="{28A0092B-C50C-407E-A947-70E740481C1C}">
+                <a14:useLocalDpi xmlns:a14="http://schemas.microsoft.com/office/drawing/2010/main" val="0"/>
+              </a:ext>
+            </a:extLst>
+          </a:blip>
+          <a:stretch>
+            <a:fillRect/>
+          </a:stretch>
+        </p:blipFill>
+        <p:spPr>
+          <a:xfrm>
+            <a:off x="2279576" y="908720"/>
+            <a:ext cx="4572138" cy="4572138"/>
+          </a:xfrm>
+          <a:prstGeom prst="rect">
+            <a:avLst/>
+          </a:prstGeom>
+        </p:spPr>
+      </p:pic>
+      <p:cxnSp>
+        <p:nvCxnSpPr>
+          <p:cNvPr id="9" name="直接连接符 8">
+            <a:extLst>
+              <a:ext uri="{FF2B5EF4-FFF2-40B4-BE49-F238E27FC236}">
+                <a16:creationId xmlns:a16="http://schemas.microsoft.com/office/drawing/2014/main" id="{6C3DD3DC-FD09-FA01-6C9D-A678727D6ECE}"/>
+              </a:ext>
+            </a:extLst>
+          </p:cNvPr>
+          <p:cNvCxnSpPr>
+            <a:cxnSpLocks/>
+          </p:cNvCxnSpPr>
+          <p:nvPr/>
+        </p:nvCxnSpPr>
+        <p:spPr>
+          <a:xfrm>
+            <a:off x="2855640" y="908720"/>
+            <a:ext cx="0" cy="360040"/>
+          </a:xfrm>
+          <a:prstGeom prst="line">
+            <a:avLst/>
+          </a:prstGeom>
+          <a:ln w="19050">
+            <a:solidFill>
+              <a:schemeClr val="tx1"/>
+            </a:solidFill>
+          </a:ln>
+        </p:spPr>
+        <p:style>
+          <a:lnRef idx="1">
+            <a:schemeClr val="accent1"/>
+          </a:lnRef>
+          <a:fillRef idx="0">
+            <a:schemeClr val="accent1"/>
+          </a:fillRef>
+          <a:effectRef idx="0">
+            <a:schemeClr val="accent1"/>
+          </a:effectRef>
+          <a:fontRef idx="minor">
+            <a:schemeClr val="tx1"/>
+          </a:fontRef>
+        </p:style>
+      </p:cxnSp>
+      <p:cxnSp>
+        <p:nvCxnSpPr>
+          <p:cNvPr id="10" name="直接连接符 9">
+            <a:extLst>
+              <a:ext uri="{FF2B5EF4-FFF2-40B4-BE49-F238E27FC236}">
+                <a16:creationId xmlns:a16="http://schemas.microsoft.com/office/drawing/2014/main" id="{395685B4-3216-01E0-F75A-C1B8DD632CCC}"/>
+              </a:ext>
+            </a:extLst>
+          </p:cNvPr>
+          <p:cNvCxnSpPr>
+            <a:cxnSpLocks/>
+          </p:cNvCxnSpPr>
+          <p:nvPr/>
+        </p:nvCxnSpPr>
+        <p:spPr>
+          <a:xfrm>
+            <a:off x="4079776" y="908720"/>
+            <a:ext cx="0" cy="360040"/>
+          </a:xfrm>
+          <a:prstGeom prst="line">
+            <a:avLst/>
+          </a:prstGeom>
+          <a:ln w="19050">
+            <a:solidFill>
+              <a:schemeClr val="tx1"/>
+            </a:solidFill>
+          </a:ln>
+        </p:spPr>
+        <p:style>
+          <a:lnRef idx="1">
+            <a:schemeClr val="accent1"/>
+          </a:lnRef>
+          <a:fillRef idx="0">
+            <a:schemeClr val="accent1"/>
+          </a:fillRef>
+          <a:effectRef idx="0">
+            <a:schemeClr val="accent1"/>
+          </a:effectRef>
+          <a:fontRef idx="minor">
+            <a:schemeClr val="tx1"/>
+          </a:fontRef>
+        </p:style>
+      </p:cxnSp>
+      <p:cxnSp>
+        <p:nvCxnSpPr>
+          <p:cNvPr id="11" name="直接连接符 10">
+            <a:extLst>
+              <a:ext uri="{FF2B5EF4-FFF2-40B4-BE49-F238E27FC236}">
+                <a16:creationId xmlns:a16="http://schemas.microsoft.com/office/drawing/2014/main" id="{3344AA30-EDAD-11C6-0C9B-9D2E25DBF244}"/>
+              </a:ext>
+            </a:extLst>
+          </p:cNvPr>
+          <p:cNvCxnSpPr>
+            <a:cxnSpLocks/>
+          </p:cNvCxnSpPr>
+          <p:nvPr/>
+        </p:nvCxnSpPr>
+        <p:spPr>
+          <a:xfrm>
+            <a:off x="6384032" y="908720"/>
+            <a:ext cx="0" cy="360040"/>
+          </a:xfrm>
+          <a:prstGeom prst="line">
+            <a:avLst/>
+          </a:prstGeom>
+          <a:ln w="19050">
+            <a:solidFill>
+              <a:schemeClr val="tx1"/>
+            </a:solidFill>
+          </a:ln>
+        </p:spPr>
+        <p:style>
+          <a:lnRef idx="1">
+            <a:schemeClr val="accent1"/>
+          </a:lnRef>
+          <a:fillRef idx="0">
+            <a:schemeClr val="accent1"/>
+          </a:fillRef>
+          <a:effectRef idx="0">
+            <a:schemeClr val="accent1"/>
+          </a:effectRef>
+          <a:fontRef idx="minor">
+            <a:schemeClr val="tx1"/>
+          </a:fontRef>
+        </p:style>
+      </p:cxnSp>
+      <p:cxnSp>
+        <p:nvCxnSpPr>
+          <p:cNvPr id="13" name="直接箭头连接符 12">
+            <a:extLst>
+              <a:ext uri="{FF2B5EF4-FFF2-40B4-BE49-F238E27FC236}">
+                <a16:creationId xmlns:a16="http://schemas.microsoft.com/office/drawing/2014/main" id="{2565E69B-EC1B-58E8-E245-AE4B7BF5681F}"/>
+              </a:ext>
+            </a:extLst>
+          </p:cNvPr>
+          <p:cNvCxnSpPr>
+            <a:cxnSpLocks/>
+          </p:cNvCxnSpPr>
+          <p:nvPr/>
+        </p:nvCxnSpPr>
+        <p:spPr>
+          <a:xfrm>
+            <a:off x="2855640" y="1088740"/>
+            <a:ext cx="1224136" cy="0"/>
+          </a:xfrm>
+          <a:prstGeom prst="straightConnector1">
+            <a:avLst/>
+          </a:prstGeom>
+          <a:ln w="12700">
+            <a:solidFill>
+              <a:schemeClr val="tx1"/>
+            </a:solidFill>
+            <a:headEnd type="triangle"/>
+            <a:tailEnd type="triangle"/>
+          </a:ln>
+        </p:spPr>
+        <p:style>
+          <a:lnRef idx="1">
+            <a:schemeClr val="accent1"/>
+          </a:lnRef>
+          <a:fillRef idx="0">
+            <a:schemeClr val="accent1"/>
+          </a:fillRef>
+          <a:effectRef idx="0">
+            <a:schemeClr val="accent1"/>
+          </a:effectRef>
+          <a:fontRef idx="minor">
+            <a:schemeClr val="tx1"/>
+          </a:fontRef>
+        </p:style>
+      </p:cxnSp>
+      <p:sp>
+        <p:nvSpPr>
+          <p:cNvPr id="6" name="文本框 5">
+            <a:extLst>
+              <a:ext uri="{FF2B5EF4-FFF2-40B4-BE49-F238E27FC236}">
+                <a16:creationId xmlns:a16="http://schemas.microsoft.com/office/drawing/2014/main" id="{68150024-6A3E-F9A6-3165-9CB42CB56D75}"/>
+              </a:ext>
+            </a:extLst>
+          </p:cNvPr>
+          <p:cNvSpPr txBox="1"/>
+          <p:nvPr/>
+        </p:nvSpPr>
+        <p:spPr>
+          <a:xfrm>
+            <a:off x="3215680" y="934852"/>
+            <a:ext cx="543739" cy="307777"/>
+          </a:xfrm>
+          <a:prstGeom prst="rect">
+            <a:avLst/>
+          </a:prstGeom>
+          <a:solidFill>
+            <a:schemeClr val="bg1"/>
+          </a:solidFill>
+        </p:spPr>
+        <p:txBody>
+          <a:bodyPr wrap="none" rtlCol="0">
+            <a:spAutoFit/>
+          </a:bodyPr>
+          <a:lstStyle/>
+          <a:p>
+            <a:r>
+              <a:rPr lang="zh-CN" altLang="en-US" sz="1400" dirty="0">
+                <a:latin typeface="新宋体" panose="02010609030101010101" pitchFamily="49" charset="-122"/>
+                <a:ea typeface="新宋体" panose="02010609030101010101" pitchFamily="49" charset="-122"/>
+              </a:rPr>
+              <a:t>滤波</a:t>
+            </a:r>
+          </a:p>
+        </p:txBody>
+      </p:sp>
+      <p:cxnSp>
+        <p:nvCxnSpPr>
+          <p:cNvPr id="14" name="直接箭头连接符 13">
+            <a:extLst>
+              <a:ext uri="{FF2B5EF4-FFF2-40B4-BE49-F238E27FC236}">
+                <a16:creationId xmlns:a16="http://schemas.microsoft.com/office/drawing/2014/main" id="{CEFC8A6F-4EF2-B199-D056-E823D8BE0944}"/>
+              </a:ext>
+            </a:extLst>
+          </p:cNvPr>
+          <p:cNvCxnSpPr>
+            <a:cxnSpLocks/>
+          </p:cNvCxnSpPr>
+          <p:nvPr/>
+        </p:nvCxnSpPr>
+        <p:spPr>
+          <a:xfrm>
+            <a:off x="4098376" y="1088740"/>
+            <a:ext cx="2285656" cy="0"/>
+          </a:xfrm>
+          <a:prstGeom prst="straightConnector1">
+            <a:avLst/>
+          </a:prstGeom>
+          <a:ln w="12700">
+            <a:solidFill>
+              <a:schemeClr val="tx1"/>
+            </a:solidFill>
+            <a:headEnd type="triangle"/>
+            <a:tailEnd type="triangle"/>
+          </a:ln>
+        </p:spPr>
+        <p:style>
+          <a:lnRef idx="1">
+            <a:schemeClr val="accent1"/>
+          </a:lnRef>
+          <a:fillRef idx="0">
+            <a:schemeClr val="accent1"/>
+          </a:fillRef>
+          <a:effectRef idx="0">
+            <a:schemeClr val="accent1"/>
+          </a:effectRef>
+          <a:fontRef idx="minor">
+            <a:schemeClr val="tx1"/>
+          </a:fontRef>
+        </p:style>
+      </p:cxnSp>
+      <p:sp>
+        <p:nvSpPr>
+          <p:cNvPr id="7" name="文本框 6">
+            <a:extLst>
+              <a:ext uri="{FF2B5EF4-FFF2-40B4-BE49-F238E27FC236}">
+                <a16:creationId xmlns:a16="http://schemas.microsoft.com/office/drawing/2014/main" id="{65220480-7A19-9BDE-9B53-E20FEFA5D2C3}"/>
+              </a:ext>
+            </a:extLst>
+          </p:cNvPr>
+          <p:cNvSpPr txBox="1"/>
+          <p:nvPr/>
+        </p:nvSpPr>
+        <p:spPr>
+          <a:xfrm>
+            <a:off x="4969335" y="934852"/>
+            <a:ext cx="543739" cy="307777"/>
+          </a:xfrm>
+          <a:prstGeom prst="rect">
+            <a:avLst/>
+          </a:prstGeom>
+          <a:solidFill>
+            <a:schemeClr val="bg1"/>
+          </a:solidFill>
+        </p:spPr>
+        <p:txBody>
+          <a:bodyPr wrap="none" rtlCol="0">
+            <a:spAutoFit/>
+          </a:bodyPr>
+          <a:lstStyle/>
+          <a:p>
+            <a:r>
+              <a:rPr lang="zh-CN" altLang="en-US" sz="1400" dirty="0">
+                <a:latin typeface="新宋体" panose="02010609030101010101" pitchFamily="49" charset="-122"/>
+                <a:ea typeface="新宋体" panose="02010609030101010101" pitchFamily="49" charset="-122"/>
+              </a:rPr>
+              <a:t>预测</a:t>
+            </a:r>
+          </a:p>
+        </p:txBody>
+      </p:sp>
+    </p:spTree>
+    <p:extLst>
+      <p:ext uri="{BB962C8B-B14F-4D97-AF65-F5344CB8AC3E}">
+        <p14:creationId xmlns:p14="http://schemas.microsoft.com/office/powerpoint/2010/main" val="3102313354"/>
       </p:ext>
     </p:extLst>
   </p:cSld>

--- a/script/粒子滤波/原理.pptx
+++ b/script/粒子滤波/原理.pptx
@@ -8,6 +8,7 @@
     <p:sldId id="256" r:id="rId2"/>
     <p:sldId id="257" r:id="rId3"/>
     <p:sldId id="258" r:id="rId4"/>
+    <p:sldId id="259" r:id="rId5"/>
   </p:sldIdLst>
   <p:sldSz cx="12192000" cy="6858000"/>
   <p:notesSz cx="12192000" cy="6858000"/>
@@ -263,7 +264,7 @@
             </a:pPr>
             <a:fld id="{BCC18F51-09EC-435C-A3BA-64A766E099C0}" type="datetimeFigureOut">
               <a:rPr lang="en-US" altLang="zh-CN"/>
-              <a:t>9/15/2023</a:t>
+              <a:t>10/15/2023</a:t>
             </a:fld>
             <a:endParaRPr lang="zh-CN"/>
           </a:p>
@@ -452,7 +453,7 @@
             </a:pPr>
             <a:fld id="{BCC18F51-09EC-435C-A3BA-64A766E099C0}" type="datetimeFigureOut">
               <a:rPr lang="en-US" altLang="zh-CN"/>
-              <a:t>9/15/2023</a:t>
+              <a:t>10/15/2023</a:t>
             </a:fld>
             <a:endParaRPr lang="zh-CN"/>
           </a:p>
@@ -651,7 +652,7 @@
             </a:pPr>
             <a:fld id="{BCC18F51-09EC-435C-A3BA-64A766E099C0}" type="datetimeFigureOut">
               <a:rPr lang="en-US" altLang="zh-CN"/>
-              <a:t>9/15/2023</a:t>
+              <a:t>10/15/2023</a:t>
             </a:fld>
             <a:endParaRPr lang="zh-CN"/>
           </a:p>
@@ -840,7 +841,7 @@
             </a:pPr>
             <a:fld id="{BCC18F51-09EC-435C-A3BA-64A766E099C0}" type="datetimeFigureOut">
               <a:rPr lang="en-US" altLang="zh-CN"/>
-              <a:t>9/15/2023</a:t>
+              <a:t>10/15/2023</a:t>
             </a:fld>
             <a:endParaRPr lang="zh-CN"/>
           </a:p>
@@ -1095,7 +1096,7 @@
             </a:pPr>
             <a:fld id="{BCC18F51-09EC-435C-A3BA-64A766E099C0}" type="datetimeFigureOut">
               <a:rPr lang="en-US" altLang="zh-CN"/>
-              <a:t>9/15/2023</a:t>
+              <a:t>10/15/2023</a:t>
             </a:fld>
             <a:endParaRPr lang="zh-CN"/>
           </a:p>
@@ -1359,7 +1360,7 @@
             </a:pPr>
             <a:fld id="{BCC18F51-09EC-435C-A3BA-64A766E099C0}" type="datetimeFigureOut">
               <a:rPr lang="en-US" altLang="zh-CN"/>
-              <a:t>9/15/2023</a:t>
+              <a:t>10/15/2023</a:t>
             </a:fld>
             <a:endParaRPr lang="zh-CN"/>
           </a:p>
@@ -1764,7 +1765,7 @@
             </a:pPr>
             <a:fld id="{BCC18F51-09EC-435C-A3BA-64A766E099C0}" type="datetimeFigureOut">
               <a:rPr lang="en-US" altLang="zh-CN"/>
-              <a:t>9/15/2023</a:t>
+              <a:t>10/15/2023</a:t>
             </a:fld>
             <a:endParaRPr lang="zh-CN"/>
           </a:p>
@@ -1888,7 +1889,7 @@
             </a:pPr>
             <a:fld id="{BCC18F51-09EC-435C-A3BA-64A766E099C0}" type="datetimeFigureOut">
               <a:rPr lang="en-US" altLang="zh-CN"/>
-              <a:t>9/15/2023</a:t>
+              <a:t>10/15/2023</a:t>
             </a:fld>
             <a:endParaRPr lang="zh-CN"/>
           </a:p>
@@ -1987,7 +1988,7 @@
             </a:pPr>
             <a:fld id="{BCC18F51-09EC-435C-A3BA-64A766E099C0}" type="datetimeFigureOut">
               <a:rPr lang="en-US" altLang="zh-CN"/>
-              <a:t>9/15/2023</a:t>
+              <a:t>10/15/2023</a:t>
             </a:fld>
             <a:endParaRPr lang="zh-CN"/>
           </a:p>
@@ -2286,7 +2287,7 @@
             </a:pPr>
             <a:fld id="{BCC18F51-09EC-435C-A3BA-64A766E099C0}" type="datetimeFigureOut">
               <a:rPr lang="en-US" altLang="zh-CN"/>
-              <a:t>9/15/2023</a:t>
+              <a:t>10/15/2023</a:t>
             </a:fld>
             <a:endParaRPr lang="zh-CN"/>
           </a:p>
@@ -2554,7 +2555,7 @@
             </a:pPr>
             <a:fld id="{BCC18F51-09EC-435C-A3BA-64A766E099C0}" type="datetimeFigureOut">
               <a:rPr lang="en-US" altLang="zh-CN"/>
-              <a:t>9/15/2023</a:t>
+              <a:t>10/15/2023</a:t>
             </a:fld>
             <a:endParaRPr lang="zh-CN"/>
           </a:p>
@@ -2786,7 +2787,7 @@
             </a:pPr>
             <a:fld id="{BCC18F51-09EC-435C-A3BA-64A766E099C0}" type="datetimeFigureOut">
               <a:rPr lang="en-US" altLang="zh-CN"/>
-              <a:t>9/15/2023</a:t>
+              <a:t>10/15/2023</a:t>
             </a:fld>
             <a:endParaRPr lang="zh-CN"/>
           </a:p>
@@ -6692,6 +6693,1626 @@
 </p:sld>
 </file>
 
+<file path=ppt/slides/slide4.xml><?xml version="1.0" encoding="utf-8"?>
+<p:sld xmlns:a="http://schemas.openxmlformats.org/drawingml/2006/main" xmlns:r="http://schemas.openxmlformats.org/officeDocument/2006/relationships" xmlns:p="http://schemas.openxmlformats.org/presentationml/2006/main">
+  <p:cSld>
+    <p:spTree>
+      <p:nvGrpSpPr>
+        <p:cNvPr id="1" name=""/>
+        <p:cNvGrpSpPr/>
+        <p:nvPr/>
+      </p:nvGrpSpPr>
+      <p:grpSpPr>
+        <a:xfrm>
+          <a:off x="0" y="0"/>
+          <a:ext cx="0" cy="0"/>
+          <a:chOff x="0" y="0"/>
+          <a:chExt cx="0" cy="0"/>
+        </a:xfrm>
+      </p:grpSpPr>
+      <p:pic>
+        <p:nvPicPr>
+          <p:cNvPr id="4" name="图片 3" descr="图片包含 图表&#10;&#10;描述已自动生成">
+            <a:extLst>
+              <a:ext uri="{FF2B5EF4-FFF2-40B4-BE49-F238E27FC236}">
+                <a16:creationId xmlns:a16="http://schemas.microsoft.com/office/drawing/2014/main" id="{A6E4DFF1-616A-7622-6994-EE9591FA50B6}"/>
+              </a:ext>
+            </a:extLst>
+          </p:cNvPr>
+          <p:cNvPicPr>
+            <a:picLocks noChangeAspect="1"/>
+          </p:cNvPicPr>
+          <p:nvPr/>
+        </p:nvPicPr>
+        <p:blipFill rotWithShape="1">
+          <a:blip r:embed="rId2">
+            <a:clrChange>
+              <a:clrFrom>
+                <a:srgbClr val="FFFFFF"/>
+              </a:clrFrom>
+              <a:clrTo>
+                <a:srgbClr val="FFFFFF">
+                  <a:alpha val="0"/>
+                </a:srgbClr>
+              </a:clrTo>
+            </a:clrChange>
+            <a:duotone>
+              <a:prstClr val="black"/>
+              <a:schemeClr val="accent5">
+                <a:tint val="45000"/>
+                <a:satMod val="400000"/>
+              </a:schemeClr>
+            </a:duotone>
+            <a:extLst>
+              <a:ext uri="{28A0092B-C50C-407E-A947-70E740481C1C}">
+                <a14:useLocalDpi xmlns:a14="http://schemas.microsoft.com/office/drawing/2010/main" val="0"/>
+              </a:ext>
+            </a:extLst>
+          </a:blip>
+          <a:srcRect/>
+          <a:stretch/>
+        </p:blipFill>
+        <p:spPr>
+          <a:xfrm>
+            <a:off x="6011809" y="2738930"/>
+            <a:ext cx="822282" cy="996397"/>
+          </a:xfrm>
+          <a:prstGeom prst="rect">
+            <a:avLst/>
+          </a:prstGeom>
+        </p:spPr>
+      </p:pic>
+      <p:pic>
+        <p:nvPicPr>
+          <p:cNvPr id="5" name="图片 4" descr="人的脸被修图&#10;&#10;中度可信度描述已自动生成">
+            <a:extLst>
+              <a:ext uri="{FF2B5EF4-FFF2-40B4-BE49-F238E27FC236}">
+                <a16:creationId xmlns:a16="http://schemas.microsoft.com/office/drawing/2014/main" id="{555543A4-AFC1-974E-B162-1EEDB0C2FD43}"/>
+              </a:ext>
+            </a:extLst>
+          </p:cNvPr>
+          <p:cNvPicPr>
+            <a:picLocks noChangeAspect="1"/>
+          </p:cNvPicPr>
+          <p:nvPr/>
+        </p:nvPicPr>
+        <p:blipFill rotWithShape="1">
+          <a:blip r:embed="rId3" cstate="print">
+            <a:extLst>
+              <a:ext uri="{28A0092B-C50C-407E-A947-70E740481C1C}">
+                <a14:useLocalDpi xmlns:a14="http://schemas.microsoft.com/office/drawing/2010/main" val="0"/>
+              </a:ext>
+            </a:extLst>
+          </a:blip>
+          <a:srcRect/>
+          <a:stretch/>
+        </p:blipFill>
+        <p:spPr>
+          <a:xfrm>
+            <a:off x="2693591" y="2077842"/>
+            <a:ext cx="1269187" cy="1661670"/>
+          </a:xfrm>
+          <a:prstGeom prst="rect">
+            <a:avLst/>
+          </a:prstGeom>
+        </p:spPr>
+      </p:pic>
+      <p:sp>
+        <p:nvSpPr>
+          <p:cNvPr id="6" name="椭圆 5">
+            <a:extLst>
+              <a:ext uri="{FF2B5EF4-FFF2-40B4-BE49-F238E27FC236}">
+                <a16:creationId xmlns:a16="http://schemas.microsoft.com/office/drawing/2014/main" id="{DB3799BD-E26F-275D-3FAD-8F08F9851FDF}"/>
+              </a:ext>
+            </a:extLst>
+          </p:cNvPr>
+          <p:cNvSpPr/>
+          <p:nvPr/>
+        </p:nvSpPr>
+        <p:spPr>
+          <a:xfrm>
+            <a:off x="2681606" y="2242364"/>
+            <a:ext cx="99591" cy="99591"/>
+          </a:xfrm>
+          <a:prstGeom prst="ellipse">
+            <a:avLst/>
+          </a:prstGeom>
+          <a:solidFill>
+            <a:srgbClr val="C00000"/>
+          </a:solidFill>
+          <a:ln w="19050">
+            <a:solidFill>
+              <a:schemeClr val="tx1"/>
+            </a:solidFill>
+          </a:ln>
+        </p:spPr>
+        <p:style>
+          <a:lnRef idx="2">
+            <a:schemeClr val="accent1">
+              <a:shade val="50000"/>
+            </a:schemeClr>
+          </a:lnRef>
+          <a:fillRef idx="1">
+            <a:schemeClr val="accent1"/>
+          </a:fillRef>
+          <a:effectRef idx="0">
+            <a:schemeClr val="accent1"/>
+          </a:effectRef>
+          <a:fontRef idx="minor">
+            <a:schemeClr val="lt1"/>
+          </a:fontRef>
+        </p:style>
+        <p:txBody>
+          <a:bodyPr rtlCol="0" anchor="ctr"/>
+          <a:lstStyle/>
+          <a:p>
+            <a:pPr algn="ctr"/>
+            <a:endParaRPr lang="zh-CN" altLang="en-US"/>
+          </a:p>
+        </p:txBody>
+      </p:sp>
+      <p:cxnSp>
+        <p:nvCxnSpPr>
+          <p:cNvPr id="7" name="直接箭头连接符 6">
+            <a:extLst>
+              <a:ext uri="{FF2B5EF4-FFF2-40B4-BE49-F238E27FC236}">
+                <a16:creationId xmlns:a16="http://schemas.microsoft.com/office/drawing/2014/main" id="{37BC742B-D45B-B47F-7E03-B2C65D4DF5F7}"/>
+              </a:ext>
+            </a:extLst>
+          </p:cNvPr>
+          <p:cNvCxnSpPr>
+            <a:cxnSpLocks/>
+          </p:cNvCxnSpPr>
+          <p:nvPr/>
+        </p:nvCxnSpPr>
+        <p:spPr>
+          <a:xfrm>
+            <a:off x="2594778" y="3739512"/>
+            <a:ext cx="1502257" cy="0"/>
+          </a:xfrm>
+          <a:prstGeom prst="straightConnector1">
+            <a:avLst/>
+          </a:prstGeom>
+          <a:ln w="12700">
+            <a:solidFill>
+              <a:schemeClr val="tx1"/>
+            </a:solidFill>
+            <a:tailEnd type="stealth"/>
+          </a:ln>
+        </p:spPr>
+        <p:style>
+          <a:lnRef idx="1">
+            <a:schemeClr val="accent1"/>
+          </a:lnRef>
+          <a:fillRef idx="0">
+            <a:schemeClr val="accent1"/>
+          </a:fillRef>
+          <a:effectRef idx="0">
+            <a:schemeClr val="accent1"/>
+          </a:effectRef>
+          <a:fontRef idx="minor">
+            <a:schemeClr val="tx1"/>
+          </a:fontRef>
+        </p:style>
+      </p:cxnSp>
+      <p:sp>
+        <p:nvSpPr>
+          <p:cNvPr id="8" name="矩形 7">
+            <a:extLst>
+              <a:ext uri="{FF2B5EF4-FFF2-40B4-BE49-F238E27FC236}">
+                <a16:creationId xmlns:a16="http://schemas.microsoft.com/office/drawing/2014/main" id="{F18948C0-4CE7-24FC-4C3D-A04A9C94D4C7}"/>
+              </a:ext>
+            </a:extLst>
+          </p:cNvPr>
+          <p:cNvSpPr/>
+          <p:nvPr/>
+        </p:nvSpPr>
+        <p:spPr>
+          <a:xfrm>
+            <a:off x="2898394" y="3910570"/>
+            <a:ext cx="1275991" cy="221599"/>
+          </a:xfrm>
+          <a:prstGeom prst="rect">
+            <a:avLst/>
+          </a:prstGeom>
+          <a:noFill/>
+        </p:spPr>
+        <p:txBody>
+          <a:bodyPr wrap="square">
+            <a:spAutoFit/>
+          </a:bodyPr>
+          <a:lstStyle/>
+          <a:p>
+            <a:pPr>
+              <a:lnSpc>
+                <a:spcPct val="80000"/>
+              </a:lnSpc>
+            </a:pPr>
+            <a:r>
+              <a:rPr lang="zh-CN" altLang="en-US" sz="1050" b="1" dirty="0">
+                <a:latin typeface="Times New Roman" panose="02020603050405020304" pitchFamily="18" charset="0"/>
+                <a:ea typeface="宋体" panose="02010600030101010101" pitchFamily="2" charset="-122"/>
+                <a:cs typeface="Times New Roman" panose="02020603050405020304" pitchFamily="18" charset="0"/>
+              </a:rPr>
+              <a:t>模拟时间 </a:t>
+            </a:r>
+            <a:r>
+              <a:rPr lang="en-US" altLang="zh-CN" sz="1050" b="1" dirty="0">
+                <a:latin typeface="Times New Roman" panose="02020603050405020304" pitchFamily="18" charset="0"/>
+                <a:ea typeface="宋体" panose="02010600030101010101" pitchFamily="2" charset="-122"/>
+                <a:cs typeface="Times New Roman" panose="02020603050405020304" pitchFamily="18" charset="0"/>
+              </a:rPr>
+              <a:t>(</a:t>
+            </a:r>
+            <a:r>
+              <a:rPr lang="en-US" altLang="zh-CN" sz="1050" b="1" dirty="0" err="1">
+                <a:latin typeface="Times New Roman" panose="02020603050405020304" pitchFamily="18" charset="0"/>
+                <a:ea typeface="宋体" panose="02010600030101010101" pitchFamily="2" charset="-122"/>
+                <a:cs typeface="Times New Roman" panose="02020603050405020304" pitchFamily="18" charset="0"/>
+              </a:rPr>
+              <a:t>hr</a:t>
+            </a:r>
+            <a:r>
+              <a:rPr lang="en-US" altLang="zh-CN" sz="1050" b="1" dirty="0">
+                <a:latin typeface="Times New Roman" panose="02020603050405020304" pitchFamily="18" charset="0"/>
+                <a:ea typeface="宋体" panose="02010600030101010101" pitchFamily="2" charset="-122"/>
+                <a:cs typeface="Times New Roman" panose="02020603050405020304" pitchFamily="18" charset="0"/>
+              </a:rPr>
+              <a:t>)</a:t>
+            </a:r>
+            <a:endParaRPr lang="zh-CN" altLang="en-US" sz="1050" b="1" dirty="0">
+              <a:latin typeface="Times New Roman" panose="02020603050405020304" pitchFamily="18" charset="0"/>
+              <a:ea typeface="宋体" panose="02010600030101010101" pitchFamily="2" charset="-122"/>
+              <a:cs typeface="Times New Roman" panose="02020603050405020304" pitchFamily="18" charset="0"/>
+            </a:endParaRPr>
+          </a:p>
+        </p:txBody>
+      </p:sp>
+      <p:sp>
+        <p:nvSpPr>
+          <p:cNvPr id="9" name="矩形 8">
+            <a:extLst>
+              <a:ext uri="{FF2B5EF4-FFF2-40B4-BE49-F238E27FC236}">
+                <a16:creationId xmlns:a16="http://schemas.microsoft.com/office/drawing/2014/main" id="{CBB67044-6899-B519-EDDE-DBCB3BAC7DED}"/>
+              </a:ext>
+            </a:extLst>
+          </p:cNvPr>
+          <p:cNvSpPr/>
+          <p:nvPr/>
+        </p:nvSpPr>
+        <p:spPr>
+          <a:xfrm>
+            <a:off x="1841584" y="1982672"/>
+            <a:ext cx="849965" cy="227767"/>
+          </a:xfrm>
+          <a:prstGeom prst="rect">
+            <a:avLst/>
+          </a:prstGeom>
+          <a:noFill/>
+        </p:spPr>
+        <p:txBody>
+          <a:bodyPr wrap="square">
+            <a:spAutoFit/>
+          </a:bodyPr>
+          <a:lstStyle/>
+          <a:p>
+            <a:pPr algn="r">
+              <a:lnSpc>
+                <a:spcPct val="80000"/>
+              </a:lnSpc>
+            </a:pPr>
+            <a:r>
+              <a:rPr lang="zh-CN" altLang="en-US" sz="1050" b="1" dirty="0">
+                <a:latin typeface="Times New Roman" panose="02020603050405020304" pitchFamily="18" charset="0"/>
+                <a:ea typeface="宋体" panose="02010600030101010101" pitchFamily="2" charset="-122"/>
+                <a:cs typeface="Times New Roman" panose="02020603050405020304" pitchFamily="18" charset="0"/>
+              </a:rPr>
+              <a:t>状态指示值</a:t>
+            </a:r>
+          </a:p>
+        </p:txBody>
+      </p:sp>
+      <p:cxnSp>
+        <p:nvCxnSpPr>
+          <p:cNvPr id="10" name="直接箭头连接符 9">
+            <a:extLst>
+              <a:ext uri="{FF2B5EF4-FFF2-40B4-BE49-F238E27FC236}">
+                <a16:creationId xmlns:a16="http://schemas.microsoft.com/office/drawing/2014/main" id="{9CB672F6-CF12-EAF7-503F-707B8DC148D9}"/>
+              </a:ext>
+            </a:extLst>
+          </p:cNvPr>
+          <p:cNvCxnSpPr>
+            <a:cxnSpLocks/>
+          </p:cNvCxnSpPr>
+          <p:nvPr/>
+        </p:nvCxnSpPr>
+        <p:spPr>
+          <a:xfrm flipV="1">
+            <a:off x="2594778" y="2172566"/>
+            <a:ext cx="0" cy="1566946"/>
+          </a:xfrm>
+          <a:prstGeom prst="straightConnector1">
+            <a:avLst/>
+          </a:prstGeom>
+          <a:ln w="12700">
+            <a:solidFill>
+              <a:schemeClr val="tx1"/>
+            </a:solidFill>
+            <a:tailEnd type="stealth"/>
+          </a:ln>
+        </p:spPr>
+        <p:style>
+          <a:lnRef idx="1">
+            <a:schemeClr val="accent1"/>
+          </a:lnRef>
+          <a:fillRef idx="0">
+            <a:schemeClr val="accent1"/>
+          </a:fillRef>
+          <a:effectRef idx="0">
+            <a:schemeClr val="accent1"/>
+          </a:effectRef>
+          <a:fontRef idx="minor">
+            <a:schemeClr val="tx1"/>
+          </a:fontRef>
+        </p:style>
+      </p:cxnSp>
+      <p:cxnSp>
+        <p:nvCxnSpPr>
+          <p:cNvPr id="11" name="直接连接符 10">
+            <a:extLst>
+              <a:ext uri="{FF2B5EF4-FFF2-40B4-BE49-F238E27FC236}">
+                <a16:creationId xmlns:a16="http://schemas.microsoft.com/office/drawing/2014/main" id="{72B561F8-1397-7638-0041-0FA0A51CD9E8}"/>
+              </a:ext>
+            </a:extLst>
+          </p:cNvPr>
+          <p:cNvCxnSpPr/>
+          <p:nvPr/>
+        </p:nvCxnSpPr>
+        <p:spPr>
+          <a:xfrm>
+            <a:off x="2594778" y="3248898"/>
+            <a:ext cx="1441035" cy="0"/>
+          </a:xfrm>
+          <a:prstGeom prst="line">
+            <a:avLst/>
+          </a:prstGeom>
+          <a:ln>
+            <a:solidFill>
+              <a:schemeClr val="tx1">
+                <a:lumMod val="50000"/>
+                <a:lumOff val="50000"/>
+              </a:schemeClr>
+            </a:solidFill>
+            <a:prstDash val="dash"/>
+          </a:ln>
+        </p:spPr>
+        <p:style>
+          <a:lnRef idx="1">
+            <a:schemeClr val="accent1"/>
+          </a:lnRef>
+          <a:fillRef idx="0">
+            <a:schemeClr val="accent1"/>
+          </a:fillRef>
+          <a:effectRef idx="0">
+            <a:schemeClr val="accent1"/>
+          </a:effectRef>
+          <a:fontRef idx="minor">
+            <a:schemeClr val="tx1"/>
+          </a:fontRef>
+        </p:style>
+      </p:cxnSp>
+      <p:sp>
+        <p:nvSpPr>
+          <p:cNvPr id="12" name="矩形 11">
+            <a:extLst>
+              <a:ext uri="{FF2B5EF4-FFF2-40B4-BE49-F238E27FC236}">
+                <a16:creationId xmlns:a16="http://schemas.microsoft.com/office/drawing/2014/main" id="{A04A31ED-036A-BF59-47E3-36D3307962B6}"/>
+              </a:ext>
+            </a:extLst>
+          </p:cNvPr>
+          <p:cNvSpPr/>
+          <p:nvPr/>
+        </p:nvSpPr>
+        <p:spPr>
+          <a:xfrm>
+            <a:off x="2559300" y="3041073"/>
+            <a:ext cx="807612" cy="203133"/>
+          </a:xfrm>
+          <a:prstGeom prst="rect">
+            <a:avLst/>
+          </a:prstGeom>
+          <a:noFill/>
+        </p:spPr>
+        <p:txBody>
+          <a:bodyPr wrap="square">
+            <a:spAutoFit/>
+          </a:bodyPr>
+          <a:lstStyle/>
+          <a:p>
+            <a:pPr algn="ctr">
+              <a:lnSpc>
+                <a:spcPct val="80000"/>
+              </a:lnSpc>
+            </a:pPr>
+            <a:r>
+              <a:rPr lang="zh-CN" altLang="en-US" sz="900" dirty="0">
+                <a:latin typeface="+mj-ea"/>
+                <a:ea typeface="+mj-ea"/>
+                <a:cs typeface="Segoe UI" panose="020B0502040204020203" pitchFamily="34" charset="0"/>
+              </a:rPr>
+              <a:t>状态临界值</a:t>
+            </a:r>
+          </a:p>
+        </p:txBody>
+      </p:sp>
+      <p:cxnSp>
+        <p:nvCxnSpPr>
+          <p:cNvPr id="13" name="直接箭头连接符 12">
+            <a:extLst>
+              <a:ext uri="{FF2B5EF4-FFF2-40B4-BE49-F238E27FC236}">
+                <a16:creationId xmlns:a16="http://schemas.microsoft.com/office/drawing/2014/main" id="{79107B76-C316-A71F-9B2E-C69233EEFDB2}"/>
+              </a:ext>
+            </a:extLst>
+          </p:cNvPr>
+          <p:cNvCxnSpPr>
+            <a:cxnSpLocks/>
+          </p:cNvCxnSpPr>
+          <p:nvPr/>
+        </p:nvCxnSpPr>
+        <p:spPr>
+          <a:xfrm flipV="1">
+            <a:off x="5568878" y="2171320"/>
+            <a:ext cx="0" cy="1566946"/>
+          </a:xfrm>
+          <a:prstGeom prst="straightConnector1">
+            <a:avLst/>
+          </a:prstGeom>
+          <a:ln w="12700">
+            <a:solidFill>
+              <a:schemeClr val="tx1"/>
+            </a:solidFill>
+            <a:tailEnd type="stealth"/>
+          </a:ln>
+        </p:spPr>
+        <p:style>
+          <a:lnRef idx="1">
+            <a:schemeClr val="accent1"/>
+          </a:lnRef>
+          <a:fillRef idx="0">
+            <a:schemeClr val="accent1"/>
+          </a:fillRef>
+          <a:effectRef idx="0">
+            <a:schemeClr val="accent1"/>
+          </a:effectRef>
+          <a:fontRef idx="minor">
+            <a:schemeClr val="tx1"/>
+          </a:fontRef>
+        </p:style>
+      </p:cxnSp>
+      <p:sp>
+        <p:nvSpPr>
+          <p:cNvPr id="14" name="矩形 13">
+            <a:extLst>
+              <a:ext uri="{FF2B5EF4-FFF2-40B4-BE49-F238E27FC236}">
+                <a16:creationId xmlns:a16="http://schemas.microsoft.com/office/drawing/2014/main" id="{9C84A835-83C0-83AA-5FE6-A6CAE85B6772}"/>
+              </a:ext>
+            </a:extLst>
+          </p:cNvPr>
+          <p:cNvSpPr/>
+          <p:nvPr/>
+        </p:nvSpPr>
+        <p:spPr>
+          <a:xfrm>
+            <a:off x="4967669" y="1982672"/>
+            <a:ext cx="949554" cy="221599"/>
+          </a:xfrm>
+          <a:prstGeom prst="rect">
+            <a:avLst/>
+          </a:prstGeom>
+          <a:noFill/>
+        </p:spPr>
+        <p:txBody>
+          <a:bodyPr wrap="square">
+            <a:spAutoFit/>
+          </a:bodyPr>
+          <a:lstStyle/>
+          <a:p>
+            <a:pPr>
+              <a:lnSpc>
+                <a:spcPct val="80000"/>
+              </a:lnSpc>
+            </a:pPr>
+            <a:r>
+              <a:rPr lang="zh-CN" altLang="en-US" sz="1050" b="1" dirty="0">
+                <a:latin typeface="Times New Roman" panose="02020603050405020304" pitchFamily="18" charset="0"/>
+                <a:ea typeface="宋体" panose="02010600030101010101" pitchFamily="2" charset="-122"/>
+                <a:cs typeface="Times New Roman" panose="02020603050405020304" pitchFamily="18" charset="0"/>
+              </a:rPr>
+              <a:t>概率密度</a:t>
+            </a:r>
+          </a:p>
+        </p:txBody>
+      </p:sp>
+      <p:sp>
+        <p:nvSpPr>
+          <p:cNvPr id="15" name="矩形 14">
+            <a:extLst>
+              <a:ext uri="{FF2B5EF4-FFF2-40B4-BE49-F238E27FC236}">
+                <a16:creationId xmlns:a16="http://schemas.microsoft.com/office/drawing/2014/main" id="{EF86B3AD-6D2C-A6FA-9F85-B928B817B46D}"/>
+              </a:ext>
+            </a:extLst>
+          </p:cNvPr>
+          <p:cNvSpPr/>
+          <p:nvPr/>
+        </p:nvSpPr>
+        <p:spPr>
+          <a:xfrm>
+            <a:off x="6043316" y="3910349"/>
+            <a:ext cx="1016245" cy="221599"/>
+          </a:xfrm>
+          <a:prstGeom prst="rect">
+            <a:avLst/>
+          </a:prstGeom>
+          <a:noFill/>
+        </p:spPr>
+        <p:txBody>
+          <a:bodyPr wrap="square">
+            <a:spAutoFit/>
+          </a:bodyPr>
+          <a:lstStyle/>
+          <a:p>
+            <a:pPr>
+              <a:lnSpc>
+                <a:spcPct val="80000"/>
+              </a:lnSpc>
+            </a:pPr>
+            <a:r>
+              <a:rPr lang="en-US" altLang="zh-CN" sz="1050" b="1" dirty="0">
+                <a:latin typeface="Times New Roman" panose="02020603050405020304" pitchFamily="18" charset="0"/>
+                <a:ea typeface="宋体" panose="02010600030101010101" pitchFamily="2" charset="-122"/>
+                <a:cs typeface="Times New Roman" panose="02020603050405020304" pitchFamily="18" charset="0"/>
+              </a:rPr>
+              <a:t>RUL (</a:t>
+            </a:r>
+            <a:r>
+              <a:rPr lang="en-US" altLang="zh-CN" sz="1050" b="1" dirty="0" err="1">
+                <a:latin typeface="Times New Roman" panose="02020603050405020304" pitchFamily="18" charset="0"/>
+                <a:ea typeface="宋体" panose="02010600030101010101" pitchFamily="2" charset="-122"/>
+                <a:cs typeface="Times New Roman" panose="02020603050405020304" pitchFamily="18" charset="0"/>
+              </a:rPr>
+              <a:t>hr</a:t>
+            </a:r>
+            <a:r>
+              <a:rPr lang="en-US" altLang="zh-CN" sz="1050" b="1" dirty="0">
+                <a:latin typeface="Times New Roman" panose="02020603050405020304" pitchFamily="18" charset="0"/>
+                <a:ea typeface="宋体" panose="02010600030101010101" pitchFamily="2" charset="-122"/>
+                <a:cs typeface="Times New Roman" panose="02020603050405020304" pitchFamily="18" charset="0"/>
+              </a:rPr>
+              <a:t>)</a:t>
+            </a:r>
+            <a:endParaRPr lang="zh-CN" altLang="en-US" sz="1050" b="1" dirty="0">
+              <a:latin typeface="Times New Roman" panose="02020603050405020304" pitchFamily="18" charset="0"/>
+              <a:ea typeface="宋体" panose="02010600030101010101" pitchFamily="2" charset="-122"/>
+              <a:cs typeface="Times New Roman" panose="02020603050405020304" pitchFamily="18" charset="0"/>
+            </a:endParaRPr>
+          </a:p>
+        </p:txBody>
+      </p:sp>
+      <p:sp>
+        <p:nvSpPr>
+          <p:cNvPr id="16" name="矩形 15">
+            <a:extLst>
+              <a:ext uri="{FF2B5EF4-FFF2-40B4-BE49-F238E27FC236}">
+                <a16:creationId xmlns:a16="http://schemas.microsoft.com/office/drawing/2014/main" id="{FA00D99F-5F2C-C569-E098-092614D095E4}"/>
+              </a:ext>
+            </a:extLst>
+          </p:cNvPr>
+          <p:cNvSpPr/>
+          <p:nvPr/>
+        </p:nvSpPr>
+        <p:spPr>
+          <a:xfrm>
+            <a:off x="3578137" y="3158341"/>
+            <a:ext cx="161776" cy="180000"/>
+          </a:xfrm>
+          <a:prstGeom prst="rect">
+            <a:avLst/>
+          </a:prstGeom>
+          <a:noFill/>
+          <a:ln w="12700">
+            <a:solidFill>
+              <a:schemeClr val="tx1"/>
+            </a:solidFill>
+          </a:ln>
+        </p:spPr>
+        <p:style>
+          <a:lnRef idx="2">
+            <a:schemeClr val="accent1">
+              <a:shade val="50000"/>
+            </a:schemeClr>
+          </a:lnRef>
+          <a:fillRef idx="1">
+            <a:schemeClr val="accent1"/>
+          </a:fillRef>
+          <a:effectRef idx="0">
+            <a:schemeClr val="accent1"/>
+          </a:effectRef>
+          <a:fontRef idx="minor">
+            <a:schemeClr val="lt1"/>
+          </a:fontRef>
+        </p:style>
+        <p:txBody>
+          <a:bodyPr rtlCol="0" anchor="ctr"/>
+          <a:lstStyle/>
+          <a:p>
+            <a:pPr algn="ctr"/>
+            <a:endParaRPr lang="zh-CN" altLang="en-US"/>
+          </a:p>
+        </p:txBody>
+      </p:sp>
+      <p:cxnSp>
+        <p:nvCxnSpPr>
+          <p:cNvPr id="17" name="直接连接符 16">
+            <a:extLst>
+              <a:ext uri="{FF2B5EF4-FFF2-40B4-BE49-F238E27FC236}">
+                <a16:creationId xmlns:a16="http://schemas.microsoft.com/office/drawing/2014/main" id="{7ACEC980-E89B-98E1-B784-938CD467DB76}"/>
+              </a:ext>
+            </a:extLst>
+          </p:cNvPr>
+          <p:cNvCxnSpPr>
+            <a:cxnSpLocks/>
+          </p:cNvCxnSpPr>
+          <p:nvPr/>
+        </p:nvCxnSpPr>
+        <p:spPr>
+          <a:xfrm>
+            <a:off x="3501855" y="3172292"/>
+            <a:ext cx="0" cy="144000"/>
+          </a:xfrm>
+          <a:prstGeom prst="line">
+            <a:avLst/>
+          </a:prstGeom>
+          <a:ln w="12700">
+            <a:solidFill>
+              <a:schemeClr val="tx1"/>
+            </a:solidFill>
+          </a:ln>
+        </p:spPr>
+        <p:style>
+          <a:lnRef idx="1">
+            <a:schemeClr val="accent1"/>
+          </a:lnRef>
+          <a:fillRef idx="0">
+            <a:schemeClr val="accent1"/>
+          </a:fillRef>
+          <a:effectRef idx="0">
+            <a:schemeClr val="accent1"/>
+          </a:effectRef>
+          <a:fontRef idx="minor">
+            <a:schemeClr val="tx1"/>
+          </a:fontRef>
+        </p:style>
+      </p:cxnSp>
+      <p:cxnSp>
+        <p:nvCxnSpPr>
+          <p:cNvPr id="18" name="直接连接符 17">
+            <a:extLst>
+              <a:ext uri="{FF2B5EF4-FFF2-40B4-BE49-F238E27FC236}">
+                <a16:creationId xmlns:a16="http://schemas.microsoft.com/office/drawing/2014/main" id="{ACD0E5DB-1DD9-AAB1-BA4E-9C9841070711}"/>
+              </a:ext>
+            </a:extLst>
+          </p:cNvPr>
+          <p:cNvCxnSpPr>
+            <a:cxnSpLocks/>
+          </p:cNvCxnSpPr>
+          <p:nvPr/>
+        </p:nvCxnSpPr>
+        <p:spPr>
+          <a:xfrm>
+            <a:off x="3786376" y="3174673"/>
+            <a:ext cx="0" cy="144000"/>
+          </a:xfrm>
+          <a:prstGeom prst="line">
+            <a:avLst/>
+          </a:prstGeom>
+          <a:ln w="12700">
+            <a:solidFill>
+              <a:schemeClr val="tx1"/>
+            </a:solidFill>
+          </a:ln>
+        </p:spPr>
+        <p:style>
+          <a:lnRef idx="1">
+            <a:schemeClr val="accent1"/>
+          </a:lnRef>
+          <a:fillRef idx="0">
+            <a:schemeClr val="accent1"/>
+          </a:fillRef>
+          <a:effectRef idx="0">
+            <a:schemeClr val="accent1"/>
+          </a:effectRef>
+          <a:fontRef idx="minor">
+            <a:schemeClr val="tx1"/>
+          </a:fontRef>
+        </p:style>
+      </p:cxnSp>
+      <p:cxnSp>
+        <p:nvCxnSpPr>
+          <p:cNvPr id="19" name="直接连接符 18">
+            <a:extLst>
+              <a:ext uri="{FF2B5EF4-FFF2-40B4-BE49-F238E27FC236}">
+                <a16:creationId xmlns:a16="http://schemas.microsoft.com/office/drawing/2014/main" id="{11A73BFC-8ADA-C457-13B6-F3522E1D63BD}"/>
+              </a:ext>
+            </a:extLst>
+          </p:cNvPr>
+          <p:cNvCxnSpPr>
+            <a:cxnSpLocks/>
+            <a:endCxn id="16" idx="1"/>
+          </p:cNvCxnSpPr>
+          <p:nvPr/>
+        </p:nvCxnSpPr>
+        <p:spPr>
+          <a:xfrm>
+            <a:off x="3501169" y="3248341"/>
+            <a:ext cx="76968" cy="0"/>
+          </a:xfrm>
+          <a:prstGeom prst="line">
+            <a:avLst/>
+          </a:prstGeom>
+          <a:ln w="12700">
+            <a:solidFill>
+              <a:schemeClr val="tx1"/>
+            </a:solidFill>
+          </a:ln>
+        </p:spPr>
+        <p:style>
+          <a:lnRef idx="1">
+            <a:schemeClr val="accent1"/>
+          </a:lnRef>
+          <a:fillRef idx="0">
+            <a:schemeClr val="accent1"/>
+          </a:fillRef>
+          <a:effectRef idx="0">
+            <a:schemeClr val="accent1"/>
+          </a:effectRef>
+          <a:fontRef idx="minor">
+            <a:schemeClr val="tx1"/>
+          </a:fontRef>
+        </p:style>
+      </p:cxnSp>
+      <p:cxnSp>
+        <p:nvCxnSpPr>
+          <p:cNvPr id="20" name="直接连接符 19">
+            <a:extLst>
+              <a:ext uri="{FF2B5EF4-FFF2-40B4-BE49-F238E27FC236}">
+                <a16:creationId xmlns:a16="http://schemas.microsoft.com/office/drawing/2014/main" id="{84B8610A-269B-0EAE-14F8-3EFD2B757252}"/>
+              </a:ext>
+            </a:extLst>
+          </p:cNvPr>
+          <p:cNvCxnSpPr>
+            <a:cxnSpLocks/>
+          </p:cNvCxnSpPr>
+          <p:nvPr/>
+        </p:nvCxnSpPr>
+        <p:spPr>
+          <a:xfrm>
+            <a:off x="3735729" y="3248968"/>
+            <a:ext cx="50647" cy="0"/>
+          </a:xfrm>
+          <a:prstGeom prst="line">
+            <a:avLst/>
+          </a:prstGeom>
+          <a:ln w="12700">
+            <a:solidFill>
+              <a:schemeClr val="tx1"/>
+            </a:solidFill>
+          </a:ln>
+        </p:spPr>
+        <p:style>
+          <a:lnRef idx="1">
+            <a:schemeClr val="accent1"/>
+          </a:lnRef>
+          <a:fillRef idx="0">
+            <a:schemeClr val="accent1"/>
+          </a:fillRef>
+          <a:effectRef idx="0">
+            <a:schemeClr val="accent1"/>
+          </a:effectRef>
+          <a:fontRef idx="minor">
+            <a:schemeClr val="tx1"/>
+          </a:fontRef>
+        </p:style>
+      </p:cxnSp>
+      <p:cxnSp>
+        <p:nvCxnSpPr>
+          <p:cNvPr id="21" name="直接连接符 20">
+            <a:extLst>
+              <a:ext uri="{FF2B5EF4-FFF2-40B4-BE49-F238E27FC236}">
+                <a16:creationId xmlns:a16="http://schemas.microsoft.com/office/drawing/2014/main" id="{96AF415E-C984-87EB-C220-634F2BEAE102}"/>
+              </a:ext>
+            </a:extLst>
+          </p:cNvPr>
+          <p:cNvCxnSpPr>
+            <a:cxnSpLocks/>
+          </p:cNvCxnSpPr>
+          <p:nvPr/>
+        </p:nvCxnSpPr>
+        <p:spPr>
+          <a:xfrm>
+            <a:off x="3678075" y="3158341"/>
+            <a:ext cx="0" cy="180000"/>
+          </a:xfrm>
+          <a:prstGeom prst="line">
+            <a:avLst/>
+          </a:prstGeom>
+          <a:ln w="12700">
+            <a:solidFill>
+              <a:schemeClr val="tx1"/>
+            </a:solidFill>
+          </a:ln>
+        </p:spPr>
+        <p:style>
+          <a:lnRef idx="1">
+            <a:schemeClr val="accent1"/>
+          </a:lnRef>
+          <a:fillRef idx="0">
+            <a:schemeClr val="accent1"/>
+          </a:fillRef>
+          <a:effectRef idx="0">
+            <a:schemeClr val="accent1"/>
+          </a:effectRef>
+          <a:fontRef idx="minor">
+            <a:schemeClr val="tx1"/>
+          </a:fontRef>
+        </p:style>
+      </p:cxnSp>
+      <p:cxnSp>
+        <p:nvCxnSpPr>
+          <p:cNvPr id="22" name="直接箭头连接符 21">
+            <a:extLst>
+              <a:ext uri="{FF2B5EF4-FFF2-40B4-BE49-F238E27FC236}">
+                <a16:creationId xmlns:a16="http://schemas.microsoft.com/office/drawing/2014/main" id="{51F665FF-DF4B-C31D-B110-E616BA153108}"/>
+              </a:ext>
+            </a:extLst>
+          </p:cNvPr>
+          <p:cNvCxnSpPr>
+            <a:cxnSpLocks/>
+          </p:cNvCxnSpPr>
+          <p:nvPr/>
+        </p:nvCxnSpPr>
+        <p:spPr>
+          <a:xfrm>
+            <a:off x="5570921" y="3738946"/>
+            <a:ext cx="1502257" cy="0"/>
+          </a:xfrm>
+          <a:prstGeom prst="straightConnector1">
+            <a:avLst/>
+          </a:prstGeom>
+          <a:ln w="12700">
+            <a:solidFill>
+              <a:schemeClr val="tx1"/>
+            </a:solidFill>
+            <a:tailEnd type="stealth"/>
+          </a:ln>
+        </p:spPr>
+        <p:style>
+          <a:lnRef idx="1">
+            <a:schemeClr val="accent1"/>
+          </a:lnRef>
+          <a:fillRef idx="0">
+            <a:schemeClr val="accent1"/>
+          </a:fillRef>
+          <a:effectRef idx="0">
+            <a:schemeClr val="accent1"/>
+          </a:effectRef>
+          <a:fontRef idx="minor">
+            <a:schemeClr val="tx1"/>
+          </a:fontRef>
+        </p:style>
+      </p:cxnSp>
+      <p:grpSp>
+        <p:nvGrpSpPr>
+          <p:cNvPr id="23" name="组合 22">
+            <a:extLst>
+              <a:ext uri="{FF2B5EF4-FFF2-40B4-BE49-F238E27FC236}">
+                <a16:creationId xmlns:a16="http://schemas.microsoft.com/office/drawing/2014/main" id="{91884DE2-D52F-479E-CF5A-374E6127A278}"/>
+              </a:ext>
+            </a:extLst>
+          </p:cNvPr>
+          <p:cNvGrpSpPr/>
+          <p:nvPr/>
+        </p:nvGrpSpPr>
+        <p:grpSpPr>
+          <a:xfrm>
+            <a:off x="6469605" y="2520911"/>
+            <a:ext cx="285207" cy="180000"/>
+            <a:chOff x="6774200" y="5763159"/>
+            <a:chExt cx="285207" cy="180000"/>
+          </a:xfrm>
+        </p:grpSpPr>
+        <p:sp>
+          <p:nvSpPr>
+            <p:cNvPr id="24" name="矩形 23">
+              <a:extLst>
+                <a:ext uri="{FF2B5EF4-FFF2-40B4-BE49-F238E27FC236}">
+                  <a16:creationId xmlns:a16="http://schemas.microsoft.com/office/drawing/2014/main" id="{95EFA87E-8F75-04CC-2A7F-BC57AB54AD1F}"/>
+                </a:ext>
+              </a:extLst>
+            </p:cNvPr>
+            <p:cNvSpPr/>
+            <p:nvPr/>
+          </p:nvSpPr>
+          <p:spPr>
+            <a:xfrm>
+              <a:off x="6851168" y="5763159"/>
+              <a:ext cx="161776" cy="180000"/>
+            </a:xfrm>
+            <a:prstGeom prst="rect">
+              <a:avLst/>
+            </a:prstGeom>
+            <a:noFill/>
+            <a:ln w="12700">
+              <a:solidFill>
+                <a:schemeClr val="tx1"/>
+              </a:solidFill>
+            </a:ln>
+          </p:spPr>
+          <p:style>
+            <a:lnRef idx="2">
+              <a:schemeClr val="accent1">
+                <a:shade val="50000"/>
+              </a:schemeClr>
+            </a:lnRef>
+            <a:fillRef idx="1">
+              <a:schemeClr val="accent1"/>
+            </a:fillRef>
+            <a:effectRef idx="0">
+              <a:schemeClr val="accent1"/>
+            </a:effectRef>
+            <a:fontRef idx="minor">
+              <a:schemeClr val="lt1"/>
+            </a:fontRef>
+          </p:style>
+          <p:txBody>
+            <a:bodyPr rtlCol="0" anchor="ctr"/>
+            <a:lstStyle/>
+            <a:p>
+              <a:pPr algn="ctr"/>
+              <a:endParaRPr lang="zh-CN" altLang="en-US"/>
+            </a:p>
+          </p:txBody>
+        </p:sp>
+        <p:cxnSp>
+          <p:nvCxnSpPr>
+            <p:cNvPr id="25" name="直接连接符 24">
+              <a:extLst>
+                <a:ext uri="{FF2B5EF4-FFF2-40B4-BE49-F238E27FC236}">
+                  <a16:creationId xmlns:a16="http://schemas.microsoft.com/office/drawing/2014/main" id="{29F1E362-F067-B0A8-F0EB-8B0E30427B40}"/>
+                </a:ext>
+              </a:extLst>
+            </p:cNvPr>
+            <p:cNvCxnSpPr>
+              <a:cxnSpLocks/>
+            </p:cNvCxnSpPr>
+            <p:nvPr/>
+          </p:nvCxnSpPr>
+          <p:spPr>
+            <a:xfrm>
+              <a:off x="6774886" y="5777110"/>
+              <a:ext cx="0" cy="144000"/>
+            </a:xfrm>
+            <a:prstGeom prst="line">
+              <a:avLst/>
+            </a:prstGeom>
+            <a:ln w="12700">
+              <a:solidFill>
+                <a:schemeClr val="tx1"/>
+              </a:solidFill>
+            </a:ln>
+          </p:spPr>
+          <p:style>
+            <a:lnRef idx="1">
+              <a:schemeClr val="accent1"/>
+            </a:lnRef>
+            <a:fillRef idx="0">
+              <a:schemeClr val="accent1"/>
+            </a:fillRef>
+            <a:effectRef idx="0">
+              <a:schemeClr val="accent1"/>
+            </a:effectRef>
+            <a:fontRef idx="minor">
+              <a:schemeClr val="tx1"/>
+            </a:fontRef>
+          </p:style>
+        </p:cxnSp>
+        <p:cxnSp>
+          <p:nvCxnSpPr>
+            <p:cNvPr id="26" name="直接连接符 25">
+              <a:extLst>
+                <a:ext uri="{FF2B5EF4-FFF2-40B4-BE49-F238E27FC236}">
+                  <a16:creationId xmlns:a16="http://schemas.microsoft.com/office/drawing/2014/main" id="{3616765E-B196-50F1-848E-B3C9167830E4}"/>
+                </a:ext>
+              </a:extLst>
+            </p:cNvPr>
+            <p:cNvCxnSpPr>
+              <a:cxnSpLocks/>
+            </p:cNvCxnSpPr>
+            <p:nvPr/>
+          </p:nvCxnSpPr>
+          <p:spPr>
+            <a:xfrm>
+              <a:off x="7059407" y="5779491"/>
+              <a:ext cx="0" cy="144000"/>
+            </a:xfrm>
+            <a:prstGeom prst="line">
+              <a:avLst/>
+            </a:prstGeom>
+            <a:ln w="12700">
+              <a:solidFill>
+                <a:schemeClr val="tx1"/>
+              </a:solidFill>
+            </a:ln>
+          </p:spPr>
+          <p:style>
+            <a:lnRef idx="1">
+              <a:schemeClr val="accent1"/>
+            </a:lnRef>
+            <a:fillRef idx="0">
+              <a:schemeClr val="accent1"/>
+            </a:fillRef>
+            <a:effectRef idx="0">
+              <a:schemeClr val="accent1"/>
+            </a:effectRef>
+            <a:fontRef idx="minor">
+              <a:schemeClr val="tx1"/>
+            </a:fontRef>
+          </p:style>
+        </p:cxnSp>
+        <p:cxnSp>
+          <p:nvCxnSpPr>
+            <p:cNvPr id="27" name="直接连接符 26">
+              <a:extLst>
+                <a:ext uri="{FF2B5EF4-FFF2-40B4-BE49-F238E27FC236}">
+                  <a16:creationId xmlns:a16="http://schemas.microsoft.com/office/drawing/2014/main" id="{8AEBD969-3DAA-D4F1-A833-623C216C627B}"/>
+                </a:ext>
+              </a:extLst>
+            </p:cNvPr>
+            <p:cNvCxnSpPr>
+              <a:cxnSpLocks/>
+              <a:endCxn id="24" idx="1"/>
+            </p:cNvCxnSpPr>
+            <p:nvPr/>
+          </p:nvCxnSpPr>
+          <p:spPr>
+            <a:xfrm>
+              <a:off x="6774200" y="5853159"/>
+              <a:ext cx="76968" cy="0"/>
+            </a:xfrm>
+            <a:prstGeom prst="line">
+              <a:avLst/>
+            </a:prstGeom>
+            <a:ln w="12700">
+              <a:solidFill>
+                <a:schemeClr val="tx1"/>
+              </a:solidFill>
+            </a:ln>
+          </p:spPr>
+          <p:style>
+            <a:lnRef idx="1">
+              <a:schemeClr val="accent1"/>
+            </a:lnRef>
+            <a:fillRef idx="0">
+              <a:schemeClr val="accent1"/>
+            </a:fillRef>
+            <a:effectRef idx="0">
+              <a:schemeClr val="accent1"/>
+            </a:effectRef>
+            <a:fontRef idx="minor">
+              <a:schemeClr val="tx1"/>
+            </a:fontRef>
+          </p:style>
+        </p:cxnSp>
+        <p:cxnSp>
+          <p:nvCxnSpPr>
+            <p:cNvPr id="28" name="直接连接符 27">
+              <a:extLst>
+                <a:ext uri="{FF2B5EF4-FFF2-40B4-BE49-F238E27FC236}">
+                  <a16:creationId xmlns:a16="http://schemas.microsoft.com/office/drawing/2014/main" id="{AD529480-93AC-707F-78EF-B3074C5AF653}"/>
+                </a:ext>
+              </a:extLst>
+            </p:cNvPr>
+            <p:cNvCxnSpPr>
+              <a:cxnSpLocks/>
+            </p:cNvCxnSpPr>
+            <p:nvPr/>
+          </p:nvCxnSpPr>
+          <p:spPr>
+            <a:xfrm>
+              <a:off x="7008760" y="5853786"/>
+              <a:ext cx="50647" cy="0"/>
+            </a:xfrm>
+            <a:prstGeom prst="line">
+              <a:avLst/>
+            </a:prstGeom>
+            <a:ln w="12700">
+              <a:solidFill>
+                <a:schemeClr val="tx1"/>
+              </a:solidFill>
+            </a:ln>
+          </p:spPr>
+          <p:style>
+            <a:lnRef idx="1">
+              <a:schemeClr val="accent1"/>
+            </a:lnRef>
+            <a:fillRef idx="0">
+              <a:schemeClr val="accent1"/>
+            </a:fillRef>
+            <a:effectRef idx="0">
+              <a:schemeClr val="accent1"/>
+            </a:effectRef>
+            <a:fontRef idx="minor">
+              <a:schemeClr val="tx1"/>
+            </a:fontRef>
+          </p:style>
+        </p:cxnSp>
+        <p:cxnSp>
+          <p:nvCxnSpPr>
+            <p:cNvPr id="29" name="直接连接符 28">
+              <a:extLst>
+                <a:ext uri="{FF2B5EF4-FFF2-40B4-BE49-F238E27FC236}">
+                  <a16:creationId xmlns:a16="http://schemas.microsoft.com/office/drawing/2014/main" id="{044D9330-C368-39AA-EA38-B07349ED4765}"/>
+                </a:ext>
+              </a:extLst>
+            </p:cNvPr>
+            <p:cNvCxnSpPr>
+              <a:cxnSpLocks/>
+            </p:cNvCxnSpPr>
+            <p:nvPr/>
+          </p:nvCxnSpPr>
+          <p:spPr>
+            <a:xfrm>
+              <a:off x="6963806" y="5763159"/>
+              <a:ext cx="0" cy="180000"/>
+            </a:xfrm>
+            <a:prstGeom prst="line">
+              <a:avLst/>
+            </a:prstGeom>
+            <a:ln w="12700">
+              <a:solidFill>
+                <a:schemeClr val="tx1"/>
+              </a:solidFill>
+            </a:ln>
+          </p:spPr>
+          <p:style>
+            <a:lnRef idx="1">
+              <a:schemeClr val="accent1"/>
+            </a:lnRef>
+            <a:fillRef idx="0">
+              <a:schemeClr val="accent1"/>
+            </a:fillRef>
+            <a:effectRef idx="0">
+              <a:schemeClr val="accent1"/>
+            </a:effectRef>
+            <a:fontRef idx="minor">
+              <a:schemeClr val="tx1"/>
+            </a:fontRef>
+          </p:style>
+        </p:cxnSp>
+      </p:grpSp>
+      <p:sp>
+        <p:nvSpPr>
+          <p:cNvPr id="30" name="矩形 29">
+            <a:extLst>
+              <a:ext uri="{FF2B5EF4-FFF2-40B4-BE49-F238E27FC236}">
+                <a16:creationId xmlns:a16="http://schemas.microsoft.com/office/drawing/2014/main" id="{1EEBA5D9-D744-5D13-4AB9-C4DD85CBD631}"/>
+              </a:ext>
+            </a:extLst>
+          </p:cNvPr>
+          <p:cNvSpPr/>
+          <p:nvPr/>
+        </p:nvSpPr>
+        <p:spPr>
+          <a:xfrm>
+            <a:off x="2790359" y="2036884"/>
+            <a:ext cx="849965" cy="203133"/>
+          </a:xfrm>
+          <a:prstGeom prst="rect">
+            <a:avLst/>
+          </a:prstGeom>
+          <a:noFill/>
+        </p:spPr>
+        <p:txBody>
+          <a:bodyPr wrap="square">
+            <a:spAutoFit/>
+          </a:bodyPr>
+          <a:lstStyle/>
+          <a:p>
+            <a:pPr algn="ctr">
+              <a:lnSpc>
+                <a:spcPct val="80000"/>
+              </a:lnSpc>
+            </a:pPr>
+            <a:r>
+              <a:rPr lang="zh-CN" altLang="en-US" sz="900" dirty="0">
+                <a:latin typeface="+mj-ea"/>
+                <a:ea typeface="+mj-ea"/>
+                <a:cs typeface="Segoe UI" panose="020B0502040204020203" pitchFamily="34" charset="0"/>
+              </a:rPr>
+              <a:t>当前状态值</a:t>
+            </a:r>
+          </a:p>
+        </p:txBody>
+      </p:sp>
+      <p:cxnSp>
+        <p:nvCxnSpPr>
+          <p:cNvPr id="31" name="直接连接符 30">
+            <a:extLst>
+              <a:ext uri="{FF2B5EF4-FFF2-40B4-BE49-F238E27FC236}">
+                <a16:creationId xmlns:a16="http://schemas.microsoft.com/office/drawing/2014/main" id="{EDA4C431-5585-EB1A-7D91-740FB111D922}"/>
+              </a:ext>
+            </a:extLst>
+          </p:cNvPr>
+          <p:cNvCxnSpPr>
+            <a:cxnSpLocks/>
+            <a:stCxn id="6" idx="7"/>
+          </p:cNvCxnSpPr>
+          <p:nvPr/>
+        </p:nvCxnSpPr>
+        <p:spPr>
+          <a:xfrm flipV="1">
+            <a:off x="2766612" y="2158883"/>
+            <a:ext cx="111353" cy="98066"/>
+          </a:xfrm>
+          <a:prstGeom prst="line">
+            <a:avLst/>
+          </a:prstGeom>
+          <a:ln>
+            <a:solidFill>
+              <a:schemeClr val="tx1">
+                <a:lumMod val="50000"/>
+                <a:lumOff val="50000"/>
+              </a:schemeClr>
+            </a:solidFill>
+          </a:ln>
+        </p:spPr>
+        <p:style>
+          <a:lnRef idx="1">
+            <a:schemeClr val="accent1"/>
+          </a:lnRef>
+          <a:fillRef idx="0">
+            <a:schemeClr val="accent1"/>
+          </a:fillRef>
+          <a:effectRef idx="0">
+            <a:schemeClr val="accent1"/>
+          </a:effectRef>
+          <a:fontRef idx="minor">
+            <a:schemeClr val="tx1"/>
+          </a:fontRef>
+        </p:style>
+      </p:cxnSp>
+      <p:sp>
+        <p:nvSpPr>
+          <p:cNvPr id="32" name="矩形 31">
+            <a:extLst>
+              <a:ext uri="{FF2B5EF4-FFF2-40B4-BE49-F238E27FC236}">
+                <a16:creationId xmlns:a16="http://schemas.microsoft.com/office/drawing/2014/main" id="{D28CD27C-BE59-FF82-AFE2-B083CF7D9081}"/>
+              </a:ext>
+            </a:extLst>
+          </p:cNvPr>
+          <p:cNvSpPr/>
+          <p:nvPr/>
+        </p:nvSpPr>
+        <p:spPr>
+          <a:xfrm>
+            <a:off x="2429182" y="3770191"/>
+            <a:ext cx="203756" cy="207557"/>
+          </a:xfrm>
+          <a:prstGeom prst="rect">
+            <a:avLst/>
+          </a:prstGeom>
+          <a:noFill/>
+        </p:spPr>
+        <p:txBody>
+          <a:bodyPr wrap="square">
+            <a:spAutoFit/>
+          </a:bodyPr>
+          <a:lstStyle/>
+          <a:p>
+            <a:pPr algn="ctr">
+              <a:lnSpc>
+                <a:spcPct val="80000"/>
+              </a:lnSpc>
+            </a:pPr>
+            <a:r>
+              <a:rPr lang="en-US" altLang="zh-CN" sz="900" b="1" dirty="0">
+                <a:latin typeface="华文新魏" panose="02010800040101010101" pitchFamily="2" charset="-122"/>
+                <a:ea typeface="华文新魏" panose="02010800040101010101" pitchFamily="2" charset="-122"/>
+                <a:cs typeface="Segoe UI" panose="020B0502040204020203" pitchFamily="34" charset="0"/>
+              </a:rPr>
+              <a:t>0</a:t>
+            </a:r>
+            <a:endParaRPr lang="zh-CN" altLang="en-US" sz="900" b="1" dirty="0">
+              <a:latin typeface="华文新魏" panose="02010800040101010101" pitchFamily="2" charset="-122"/>
+              <a:ea typeface="华文新魏" panose="02010800040101010101" pitchFamily="2" charset="-122"/>
+              <a:cs typeface="Segoe UI" panose="020B0502040204020203" pitchFamily="34" charset="0"/>
+            </a:endParaRPr>
+          </a:p>
+        </p:txBody>
+      </p:sp>
+      <p:sp>
+        <p:nvSpPr>
+          <p:cNvPr id="33" name="矩形 32">
+            <a:extLst>
+              <a:ext uri="{FF2B5EF4-FFF2-40B4-BE49-F238E27FC236}">
+                <a16:creationId xmlns:a16="http://schemas.microsoft.com/office/drawing/2014/main" id="{3C34AA0F-8072-6594-E4A6-E4E9E5393C9C}"/>
+              </a:ext>
+            </a:extLst>
+          </p:cNvPr>
+          <p:cNvSpPr/>
+          <p:nvPr/>
+        </p:nvSpPr>
+        <p:spPr>
+          <a:xfrm>
+            <a:off x="3735848" y="3770191"/>
+            <a:ext cx="525052" cy="207557"/>
+          </a:xfrm>
+          <a:prstGeom prst="rect">
+            <a:avLst/>
+          </a:prstGeom>
+          <a:noFill/>
+        </p:spPr>
+        <p:txBody>
+          <a:bodyPr wrap="square">
+            <a:spAutoFit/>
+          </a:bodyPr>
+          <a:lstStyle/>
+          <a:p>
+            <a:pPr algn="ctr">
+              <a:lnSpc>
+                <a:spcPct val="80000"/>
+              </a:lnSpc>
+            </a:pPr>
+            <a:r>
+              <a:rPr lang="en-US" altLang="zh-CN" sz="900" b="1" dirty="0">
+                <a:latin typeface="Times New Roman" panose="02020603050405020304" pitchFamily="18" charset="0"/>
+                <a:ea typeface="华文新魏" panose="02010800040101010101" pitchFamily="2" charset="-122"/>
+                <a:cs typeface="Times New Roman" panose="02020603050405020304" pitchFamily="18" charset="0"/>
+              </a:rPr>
+              <a:t>5x10</a:t>
+            </a:r>
+            <a:r>
+              <a:rPr lang="en-US" altLang="zh-CN" sz="900" b="1" baseline="30000" dirty="0">
+                <a:latin typeface="Times New Roman" panose="02020603050405020304" pitchFamily="18" charset="0"/>
+                <a:ea typeface="华文新魏" panose="02010800040101010101" pitchFamily="2" charset="-122"/>
+                <a:cs typeface="Times New Roman" panose="02020603050405020304" pitchFamily="18" charset="0"/>
+              </a:rPr>
+              <a:t>3</a:t>
+            </a:r>
+            <a:endParaRPr lang="zh-CN" altLang="en-US" sz="900" b="1" dirty="0">
+              <a:latin typeface="Times New Roman" panose="02020603050405020304" pitchFamily="18" charset="0"/>
+              <a:ea typeface="华文新魏" panose="02010800040101010101" pitchFamily="2" charset="-122"/>
+              <a:cs typeface="Times New Roman" panose="02020603050405020304" pitchFamily="18" charset="0"/>
+            </a:endParaRPr>
+          </a:p>
+        </p:txBody>
+      </p:sp>
+      <p:sp>
+        <p:nvSpPr>
+          <p:cNvPr id="34" name="矩形 33">
+            <a:extLst>
+              <a:ext uri="{FF2B5EF4-FFF2-40B4-BE49-F238E27FC236}">
+                <a16:creationId xmlns:a16="http://schemas.microsoft.com/office/drawing/2014/main" id="{1A58A004-44AE-B066-008B-96025EC10B7F}"/>
+              </a:ext>
+            </a:extLst>
+          </p:cNvPr>
+          <p:cNvSpPr/>
+          <p:nvPr/>
+        </p:nvSpPr>
+        <p:spPr>
+          <a:xfrm>
+            <a:off x="5457474" y="3770191"/>
+            <a:ext cx="203756" cy="207557"/>
+          </a:xfrm>
+          <a:prstGeom prst="rect">
+            <a:avLst/>
+          </a:prstGeom>
+          <a:noFill/>
+        </p:spPr>
+        <p:txBody>
+          <a:bodyPr wrap="square">
+            <a:spAutoFit/>
+          </a:bodyPr>
+          <a:lstStyle/>
+          <a:p>
+            <a:pPr algn="ctr">
+              <a:lnSpc>
+                <a:spcPct val="80000"/>
+              </a:lnSpc>
+            </a:pPr>
+            <a:r>
+              <a:rPr lang="en-US" altLang="zh-CN" sz="900" b="1" dirty="0">
+                <a:latin typeface="华文新魏" panose="02010800040101010101" pitchFamily="2" charset="-122"/>
+                <a:ea typeface="华文新魏" panose="02010800040101010101" pitchFamily="2" charset="-122"/>
+                <a:cs typeface="Segoe UI" panose="020B0502040204020203" pitchFamily="34" charset="0"/>
+              </a:rPr>
+              <a:t>0</a:t>
+            </a:r>
+            <a:endParaRPr lang="zh-CN" altLang="en-US" sz="900" b="1" dirty="0">
+              <a:latin typeface="华文新魏" panose="02010800040101010101" pitchFamily="2" charset="-122"/>
+              <a:ea typeface="华文新魏" panose="02010800040101010101" pitchFamily="2" charset="-122"/>
+              <a:cs typeface="Segoe UI" panose="020B0502040204020203" pitchFamily="34" charset="0"/>
+            </a:endParaRPr>
+          </a:p>
+        </p:txBody>
+      </p:sp>
+      <p:sp>
+        <p:nvSpPr>
+          <p:cNvPr id="35" name="矩形 34">
+            <a:extLst>
+              <a:ext uri="{FF2B5EF4-FFF2-40B4-BE49-F238E27FC236}">
+                <a16:creationId xmlns:a16="http://schemas.microsoft.com/office/drawing/2014/main" id="{612D0B67-63AE-5BC1-76C4-BB99A63BAEFA}"/>
+              </a:ext>
+            </a:extLst>
+          </p:cNvPr>
+          <p:cNvSpPr/>
+          <p:nvPr/>
+        </p:nvSpPr>
+        <p:spPr>
+          <a:xfrm>
+            <a:off x="6682062" y="3770191"/>
+            <a:ext cx="525052" cy="207557"/>
+          </a:xfrm>
+          <a:prstGeom prst="rect">
+            <a:avLst/>
+          </a:prstGeom>
+          <a:noFill/>
+        </p:spPr>
+        <p:txBody>
+          <a:bodyPr wrap="square">
+            <a:spAutoFit/>
+          </a:bodyPr>
+          <a:lstStyle/>
+          <a:p>
+            <a:pPr algn="ctr">
+              <a:lnSpc>
+                <a:spcPct val="80000"/>
+              </a:lnSpc>
+            </a:pPr>
+            <a:r>
+              <a:rPr lang="en-US" altLang="zh-CN" sz="900" b="1" dirty="0">
+                <a:latin typeface="Times New Roman" panose="02020603050405020304" pitchFamily="18" charset="0"/>
+                <a:ea typeface="华文新魏" panose="02010800040101010101" pitchFamily="2" charset="-122"/>
+                <a:cs typeface="Times New Roman" panose="02020603050405020304" pitchFamily="18" charset="0"/>
+              </a:rPr>
+              <a:t>5x10</a:t>
+            </a:r>
+            <a:r>
+              <a:rPr lang="en-US" altLang="zh-CN" sz="900" b="1" baseline="30000" dirty="0">
+                <a:latin typeface="Times New Roman" panose="02020603050405020304" pitchFamily="18" charset="0"/>
+                <a:ea typeface="华文新魏" panose="02010800040101010101" pitchFamily="2" charset="-122"/>
+                <a:cs typeface="Times New Roman" panose="02020603050405020304" pitchFamily="18" charset="0"/>
+              </a:rPr>
+              <a:t>3</a:t>
+            </a:r>
+            <a:endParaRPr lang="zh-CN" altLang="en-US" sz="900" b="1" dirty="0">
+              <a:latin typeface="Times New Roman" panose="02020603050405020304" pitchFamily="18" charset="0"/>
+              <a:ea typeface="华文新魏" panose="02010800040101010101" pitchFamily="2" charset="-122"/>
+              <a:cs typeface="Times New Roman" panose="02020603050405020304" pitchFamily="18" charset="0"/>
+            </a:endParaRPr>
+          </a:p>
+        </p:txBody>
+      </p:sp>
+      <p:sp>
+        <p:nvSpPr>
+          <p:cNvPr id="36" name="箭头: 右 35">
+            <a:extLst>
+              <a:ext uri="{FF2B5EF4-FFF2-40B4-BE49-F238E27FC236}">
+                <a16:creationId xmlns:a16="http://schemas.microsoft.com/office/drawing/2014/main" id="{CBC6F3B5-CB96-E43F-3AAB-F128E4EC8F95}"/>
+              </a:ext>
+            </a:extLst>
+          </p:cNvPr>
+          <p:cNvSpPr/>
+          <p:nvPr/>
+        </p:nvSpPr>
+        <p:spPr>
+          <a:xfrm>
+            <a:off x="4439816" y="2544962"/>
+            <a:ext cx="341183" cy="727429"/>
+          </a:xfrm>
+          <a:prstGeom prst="rightArrow">
+            <a:avLst/>
+          </a:prstGeom>
+          <a:solidFill>
+            <a:schemeClr val="bg2">
+              <a:lumMod val="75000"/>
+            </a:schemeClr>
+          </a:solidFill>
+          <a:ln>
+            <a:noFill/>
+          </a:ln>
+        </p:spPr>
+        <p:style>
+          <a:lnRef idx="2">
+            <a:schemeClr val="accent1">
+              <a:shade val="15000"/>
+            </a:schemeClr>
+          </a:lnRef>
+          <a:fillRef idx="1">
+            <a:schemeClr val="accent1"/>
+          </a:fillRef>
+          <a:effectRef idx="0">
+            <a:schemeClr val="accent1"/>
+          </a:effectRef>
+          <a:fontRef idx="minor">
+            <a:schemeClr val="lt1"/>
+          </a:fontRef>
+        </p:style>
+        <p:txBody>
+          <a:bodyPr rtlCol="0" anchor="ctr"/>
+          <a:lstStyle/>
+          <a:p>
+            <a:pPr algn="ctr"/>
+            <a:endParaRPr lang="zh-CN" altLang="en-US"/>
+          </a:p>
+        </p:txBody>
+      </p:sp>
+      <p:sp>
+        <p:nvSpPr>
+          <p:cNvPr id="37" name="矩形 36">
+            <a:extLst>
+              <a:ext uri="{FF2B5EF4-FFF2-40B4-BE49-F238E27FC236}">
+                <a16:creationId xmlns:a16="http://schemas.microsoft.com/office/drawing/2014/main" id="{72E1A352-1D73-FF76-CD80-C02D1D68224D}"/>
+              </a:ext>
+            </a:extLst>
+          </p:cNvPr>
+          <p:cNvSpPr/>
+          <p:nvPr/>
+        </p:nvSpPr>
+        <p:spPr>
+          <a:xfrm>
+            <a:off x="3304114" y="2515088"/>
+            <a:ext cx="948080" cy="203133"/>
+          </a:xfrm>
+          <a:prstGeom prst="rect">
+            <a:avLst/>
+          </a:prstGeom>
+          <a:noFill/>
+        </p:spPr>
+        <p:txBody>
+          <a:bodyPr wrap="square">
+            <a:spAutoFit/>
+          </a:bodyPr>
+          <a:lstStyle/>
+          <a:p>
+            <a:pPr algn="ctr">
+              <a:lnSpc>
+                <a:spcPct val="80000"/>
+              </a:lnSpc>
+            </a:pPr>
+            <a:r>
+              <a:rPr lang="zh-CN" altLang="en-US" sz="900" b="1" dirty="0">
+                <a:latin typeface="+mj-ea"/>
+                <a:ea typeface="+mj-ea"/>
+                <a:cs typeface="Segoe UI" panose="020B0502040204020203" pitchFamily="34" charset="0"/>
+              </a:rPr>
+              <a:t>蒙特卡洛模拟</a:t>
+            </a:r>
+          </a:p>
+        </p:txBody>
+      </p:sp>
+    </p:spTree>
+    <p:extLst>
+      <p:ext uri="{BB962C8B-B14F-4D97-AF65-F5344CB8AC3E}">
+        <p14:creationId xmlns:p14="http://schemas.microsoft.com/office/powerpoint/2010/main" val="1957258119"/>
+      </p:ext>
+    </p:extLst>
+  </p:cSld>
+  <p:clrMapOvr>
+    <a:masterClrMapping/>
+  </p:clrMapOvr>
+</p:sld>
+</file>
+
 <file path=ppt/theme/theme1.xml><?xml version="1.0" encoding="utf-8"?>
 <a:theme xmlns:a="http://schemas.openxmlformats.org/drawingml/2006/main" name="Office Theme">
   <a:themeElements>
